--- a/Documents/Design Patterns Presentation.pptx
+++ b/Documents/Design Patterns Presentation.pptx
@@ -21,9 +21,10 @@
     <p:sldId id="290" r:id="rId15"/>
     <p:sldId id="270" r:id="rId16"/>
     <p:sldId id="283" r:id="rId17"/>
-    <p:sldId id="284" r:id="rId18"/>
-    <p:sldId id="281" r:id="rId19"/>
-    <p:sldId id="280" r:id="rId20"/>
+    <p:sldId id="291" r:id="rId18"/>
+    <p:sldId id="284" r:id="rId19"/>
+    <p:sldId id="281" r:id="rId20"/>
+    <p:sldId id="280" r:id="rId21"/>
   </p:sldIdLst>
   <p:sldSz cx="9144000" cy="5143500" type="screen16x9"/>
   <p:notesSz cx="6858000" cy="9144000"/>
@@ -6984,8 +6985,8 @@
           <a:lstStyle/>
           <a:p>
             <a:r>
-              <a:rPr lang="en-US" dirty="0"/>
-              <a:t>Part1 – Implement Library main engine</a:t>
+              <a:rPr lang="en-CA" dirty="0"/>
+              <a:t>Instructions</a:t>
             </a:r>
           </a:p>
         </p:txBody>
@@ -7006,48 +7007,42 @@
           <a:lstStyle/>
           <a:p>
             <a:r>
-              <a:rPr lang="en-US" dirty="0"/>
-              <a:t>Given:</a:t>
-            </a:r>
-          </a:p>
-          <a:p>
-            <a:pPr lvl="1"/>
-            <a:r>
-              <a:rPr lang="en-US" dirty="0"/>
-              <a:t>main method which starts Library application</a:t>
-            </a:r>
-          </a:p>
-          <a:p>
-            <a:r>
-              <a:rPr lang="en-US" dirty="0"/>
-              <a:t>Task:</a:t>
-            </a:r>
-          </a:p>
-          <a:p>
-            <a:pPr lvl="1"/>
-            <a:r>
-              <a:rPr lang="en-US" dirty="0"/>
-              <a:t>Using </a:t>
-            </a:r>
-            <a:r>
-              <a:rPr lang="en-US" b="1" dirty="0">
-                <a:solidFill>
-                  <a:srgbClr val="FF0000"/>
-                </a:solidFill>
+              <a:rPr lang="en-CA" dirty="0"/>
+              <a:t>Clone the Exercise project from </a:t>
+            </a:r>
+            <a:r>
+              <a:rPr lang="en-CA" dirty="0">
+                <a:hlinkClick r:id="rId2"/>
               </a:rPr>
-              <a:t>Singleton</a:t>
-            </a:r>
-            <a:r>
-              <a:rPr lang="en-US" dirty="0"/>
-              <a:t> pattern make sure the system will always run only one instance of library </a:t>
-            </a:r>
+              <a:t>https://github.com/VarianDeveloper/Jan2017_DesignPatternsTraining.git</a:t>
+            </a:r>
+            <a:endParaRPr lang="en-CA" dirty="0"/>
+          </a:p>
+          <a:p>
+            <a:r>
+              <a:rPr lang="en-CA" dirty="0"/>
+              <a:t>For GitHub Quick start refer to </a:t>
+            </a:r>
+            <a:r>
+              <a:rPr lang="en-CA" dirty="0">
+                <a:hlinkClick r:id="rId3"/>
+              </a:rPr>
+              <a:t>https://github.com/VarianDeveloper/Jan2017_DesignPatternsTraining/blob/master/Documents/GitHubQuickStart.docx</a:t>
+            </a:r>
+            <a:endParaRPr lang="en-CA" dirty="0"/>
+          </a:p>
+          <a:p>
+            <a:pPr marL="0" indent="0">
+              <a:buNone/>
+            </a:pPr>
+            <a:endParaRPr lang="en-CA" dirty="0"/>
           </a:p>
         </p:txBody>
       </p:sp>
     </p:spTree>
     <p:extLst>
       <p:ext uri="{BB962C8B-B14F-4D97-AF65-F5344CB8AC3E}">
-        <p14:creationId xmlns:p14="http://schemas.microsoft.com/office/powerpoint/2010/main" val="4002076103"/>
+        <p14:creationId xmlns:p14="http://schemas.microsoft.com/office/powerpoint/2010/main" val="3710923637"/>
       </p:ext>
     </p:extLst>
   </p:cSld>
@@ -7084,19 +7079,14 @@
             <p:ph type="title"/>
           </p:nvPr>
         </p:nvSpPr>
-        <p:spPr>
-          <a:xfrm>
-            <a:off x="232348" y="88106"/>
-            <a:ext cx="8731770" cy="857250"/>
-          </a:xfrm>
-        </p:spPr>
+        <p:spPr/>
         <p:txBody>
           <a:bodyPr/>
           <a:lstStyle/>
           <a:p>
             <a:r>
               <a:rPr lang="en-US" dirty="0"/>
-              <a:t>Part2 - Implement part of a library registration system</a:t>
+              <a:t>Part1 – Implement Library main engine</a:t>
             </a:r>
           </a:p>
         </p:txBody>
@@ -7118,61 +7108,26 @@
           <a:p>
             <a:r>
               <a:rPr lang="en-US" dirty="0"/>
-              <a:t>Given: </a:t>
+              <a:t>Given:</a:t>
             </a:r>
           </a:p>
           <a:p>
             <a:pPr lvl="1"/>
             <a:r>
               <a:rPr lang="en-US" dirty="0"/>
-              <a:t>Book class extending </a:t>
-            </a:r>
-            <a:r>
-              <a:rPr lang="en-US" dirty="0" err="1"/>
-              <a:t>LibItem</a:t>
-            </a:r>
-            <a:r>
-              <a:rPr lang="en-US" dirty="0"/>
-              <a:t> abstract class</a:t>
+              <a:t>main method which starts Library application</a:t>
+            </a:r>
+          </a:p>
+          <a:p>
+            <a:r>
+              <a:rPr lang="en-US" dirty="0"/>
+              <a:t>Task:</a:t>
             </a:r>
           </a:p>
           <a:p>
             <a:pPr lvl="1"/>
             <a:r>
               <a:rPr lang="en-US" dirty="0"/>
-              <a:t>Video class extending </a:t>
-            </a:r>
-            <a:r>
-              <a:rPr lang="en-US" dirty="0" err="1"/>
-              <a:t>LibItem</a:t>
-            </a:r>
-            <a:r>
-              <a:rPr lang="en-US" dirty="0"/>
-              <a:t> </a:t>
-            </a:r>
-            <a:r>
-              <a:rPr lang="en-US"/>
-              <a:t>abstract class</a:t>
-            </a:r>
-            <a:endParaRPr lang="en-US" dirty="0"/>
-          </a:p>
-          <a:p>
-            <a:pPr lvl="1"/>
-            <a:r>
-              <a:rPr lang="en-US" dirty="0"/>
-              <a:t>Customer class extending Person abstract class </a:t>
-            </a:r>
-          </a:p>
-          <a:p>
-            <a:r>
-              <a:rPr lang="en-US" dirty="0"/>
-              <a:t>Task:</a:t>
-            </a:r>
-          </a:p>
-          <a:p>
-            <a:pPr lvl="1"/>
-            <a:r>
-              <a:rPr lang="en-US" dirty="0"/>
               <a:t>Using </a:t>
             </a:r>
             <a:r>
@@ -7181,22 +7136,19 @@
                   <a:srgbClr val="FF0000"/>
                 </a:solidFill>
               </a:rPr>
-              <a:t>Bridge</a:t>
-            </a:r>
-            <a:r>
-              <a:rPr lang="en-US" dirty="0"/>
-              <a:t> pattern implement Registration class that adds new book, video or customer to the library.</a:t>
-            </a:r>
-          </a:p>
-          <a:p>
-            <a:endParaRPr lang="en-US" dirty="0"/>
+              <a:t>Singleton</a:t>
+            </a:r>
+            <a:r>
+              <a:rPr lang="en-US" dirty="0"/>
+              <a:t> pattern make sure the system will always run only one instance of library </a:t>
+            </a:r>
           </a:p>
         </p:txBody>
       </p:sp>
     </p:spTree>
     <p:extLst>
       <p:ext uri="{BB962C8B-B14F-4D97-AF65-F5344CB8AC3E}">
-        <p14:creationId xmlns:p14="http://schemas.microsoft.com/office/powerpoint/2010/main" val="1524493106"/>
+        <p14:creationId xmlns:p14="http://schemas.microsoft.com/office/powerpoint/2010/main" val="4002076103"/>
       </p:ext>
     </p:extLst>
   </p:cSld>
@@ -7233,6 +7185,33 @@
             <p:ph type="title"/>
           </p:nvPr>
         </p:nvSpPr>
+        <p:spPr>
+          <a:xfrm>
+            <a:off x="232348" y="88106"/>
+            <a:ext cx="8731770" cy="857250"/>
+          </a:xfrm>
+        </p:spPr>
+        <p:txBody>
+          <a:bodyPr/>
+          <a:lstStyle/>
+          <a:p>
+            <a:r>
+              <a:rPr lang="en-US" dirty="0"/>
+              <a:t>Part2 - Implement part of a library registration system</a:t>
+            </a:r>
+          </a:p>
+        </p:txBody>
+      </p:sp>
+      <p:sp>
+        <p:nvSpPr>
+          <p:cNvPr id="3" name="Text Placeholder 2"/>
+          <p:cNvSpPr>
+            <a:spLocks noGrp="1"/>
+          </p:cNvSpPr>
+          <p:nvPr>
+            <p:ph type="body" sz="quarter" idx="10"/>
+          </p:nvPr>
+        </p:nvSpPr>
         <p:spPr/>
         <p:txBody>
           <a:bodyPr/>
@@ -7240,28 +7219,6 @@
           <a:p>
             <a:r>
               <a:rPr lang="en-US" dirty="0"/>
-              <a:t>Part3 - Implement part of a library tracking system</a:t>
-            </a:r>
-          </a:p>
-        </p:txBody>
-      </p:sp>
-      <p:sp>
-        <p:nvSpPr>
-          <p:cNvPr id="3" name="Text Placeholder 2"/>
-          <p:cNvSpPr>
-            <a:spLocks noGrp="1"/>
-          </p:cNvSpPr>
-          <p:nvPr>
-            <p:ph type="body" sz="quarter" idx="10"/>
-          </p:nvPr>
-        </p:nvSpPr>
-        <p:spPr/>
-        <p:txBody>
-          <a:bodyPr/>
-          <a:lstStyle/>
-          <a:p>
-            <a:r>
-              <a:rPr lang="en-US" dirty="0"/>
               <a:t>Given: </a:t>
             </a:r>
           </a:p>
@@ -7269,14 +7226,42 @@
             <a:pPr lvl="1"/>
             <a:r>
               <a:rPr lang="en-US" dirty="0"/>
-              <a:t>Book class extending LibItem class</a:t>
+              <a:t>Book class extending </a:t>
+            </a:r>
+            <a:r>
+              <a:rPr lang="en-US" dirty="0" err="1"/>
+              <a:t>LibItem</a:t>
+            </a:r>
+            <a:r>
+              <a:rPr lang="en-US" dirty="0"/>
+              <a:t> abstract class</a:t>
             </a:r>
           </a:p>
           <a:p>
             <a:pPr lvl="1"/>
             <a:r>
               <a:rPr lang="en-US" dirty="0"/>
-              <a:t>Video class extending LibItem class</a:t>
+              <a:t>Video class extending </a:t>
+            </a:r>
+            <a:r>
+              <a:rPr lang="en-US" dirty="0" err="1"/>
+              <a:t>LibItem</a:t>
+            </a:r>
+            <a:r>
+              <a:rPr lang="en-US" dirty="0"/>
+              <a:t> </a:t>
+            </a:r>
+            <a:r>
+              <a:rPr lang="en-US"/>
+              <a:t>abstract class</a:t>
+            </a:r>
+            <a:endParaRPr lang="en-US" dirty="0"/>
+          </a:p>
+          <a:p>
+            <a:pPr lvl="1"/>
+            <a:r>
+              <a:rPr lang="en-US" dirty="0"/>
+              <a:t>Customer class extending Person abstract class </a:t>
             </a:r>
           </a:p>
           <a:p>
@@ -7297,19 +7282,11 @@
                   <a:srgbClr val="FF0000"/>
                 </a:solidFill>
               </a:rPr>
-              <a:t>Decorator</a:t>
-            </a:r>
-            <a:r>
-              <a:rPr lang="en-US" dirty="0"/>
-              <a:t> pattern implement </a:t>
-            </a:r>
-            <a:r>
-              <a:rPr lang="en-US" dirty="0" err="1"/>
-              <a:t>BookBorrowable</a:t>
-            </a:r>
-            <a:r>
-              <a:rPr lang="en-US" dirty="0"/>
-              <a:t> class that enables to borrow a book from the library.</a:t>
+              <a:t>Bridge</a:t>
+            </a:r>
+            <a:r>
+              <a:rPr lang="en-US" dirty="0"/>
+              <a:t> pattern implement Registration class that adds new book, video or customer to the library.</a:t>
             </a:r>
           </a:p>
           <a:p>
@@ -7320,7 +7297,7 @@
     </p:spTree>
     <p:extLst>
       <p:ext uri="{BB962C8B-B14F-4D97-AF65-F5344CB8AC3E}">
-        <p14:creationId xmlns:p14="http://schemas.microsoft.com/office/powerpoint/2010/main" val="404622422"/>
+        <p14:creationId xmlns:p14="http://schemas.microsoft.com/office/powerpoint/2010/main" val="1524493106"/>
       </p:ext>
     </p:extLst>
   </p:cSld>
@@ -7407,6 +7384,130 @@
     <p:extLst>
       <p:ext uri="{BB962C8B-B14F-4D97-AF65-F5344CB8AC3E}">
         <p14:creationId xmlns:p14="http://schemas.microsoft.com/office/powerpoint/2010/main" val="3049549341"/>
+      </p:ext>
+    </p:extLst>
+  </p:cSld>
+  <p:clrMapOvr>
+    <a:masterClrMapping/>
+  </p:clrMapOvr>
+</p:sld>
+</file>
+
+<file path=ppt/slides/slide20.xml><?xml version="1.0" encoding="utf-8"?>
+<p:sld xmlns:a="http://schemas.openxmlformats.org/drawingml/2006/main" xmlns:r="http://schemas.openxmlformats.org/officeDocument/2006/relationships" xmlns:p="http://schemas.openxmlformats.org/presentationml/2006/main">
+  <p:cSld>
+    <p:spTree>
+      <p:nvGrpSpPr>
+        <p:cNvPr id="1" name=""/>
+        <p:cNvGrpSpPr/>
+        <p:nvPr/>
+      </p:nvGrpSpPr>
+      <p:grpSpPr>
+        <a:xfrm>
+          <a:off x="0" y="0"/>
+          <a:ext cx="0" cy="0"/>
+          <a:chOff x="0" y="0"/>
+          <a:chExt cx="0" cy="0"/>
+        </a:xfrm>
+      </p:grpSpPr>
+      <p:sp>
+        <p:nvSpPr>
+          <p:cNvPr id="2" name="Title 1"/>
+          <p:cNvSpPr>
+            <a:spLocks noGrp="1"/>
+          </p:cNvSpPr>
+          <p:nvPr>
+            <p:ph type="title"/>
+          </p:nvPr>
+        </p:nvSpPr>
+        <p:spPr/>
+        <p:txBody>
+          <a:bodyPr/>
+          <a:lstStyle/>
+          <a:p>
+            <a:r>
+              <a:rPr lang="en-US" dirty="0"/>
+              <a:t>Part3 - Implement part of a library tracking system</a:t>
+            </a:r>
+          </a:p>
+        </p:txBody>
+      </p:sp>
+      <p:sp>
+        <p:nvSpPr>
+          <p:cNvPr id="3" name="Text Placeholder 2"/>
+          <p:cNvSpPr>
+            <a:spLocks noGrp="1"/>
+          </p:cNvSpPr>
+          <p:nvPr>
+            <p:ph type="body" sz="quarter" idx="10"/>
+          </p:nvPr>
+        </p:nvSpPr>
+        <p:spPr/>
+        <p:txBody>
+          <a:bodyPr/>
+          <a:lstStyle/>
+          <a:p>
+            <a:r>
+              <a:rPr lang="en-US" dirty="0"/>
+              <a:t>Given: </a:t>
+            </a:r>
+          </a:p>
+          <a:p>
+            <a:pPr lvl="1"/>
+            <a:r>
+              <a:rPr lang="en-US" dirty="0"/>
+              <a:t>Book class extending LibItem class</a:t>
+            </a:r>
+          </a:p>
+          <a:p>
+            <a:pPr lvl="1"/>
+            <a:r>
+              <a:rPr lang="en-US" dirty="0"/>
+              <a:t>Video class extending LibItem class</a:t>
+            </a:r>
+          </a:p>
+          <a:p>
+            <a:r>
+              <a:rPr lang="en-US" dirty="0"/>
+              <a:t>Task:</a:t>
+            </a:r>
+          </a:p>
+          <a:p>
+            <a:pPr lvl="1"/>
+            <a:r>
+              <a:rPr lang="en-US" dirty="0"/>
+              <a:t>Using </a:t>
+            </a:r>
+            <a:r>
+              <a:rPr lang="en-US" b="1" dirty="0">
+                <a:solidFill>
+                  <a:srgbClr val="FF0000"/>
+                </a:solidFill>
+              </a:rPr>
+              <a:t>Decorator</a:t>
+            </a:r>
+            <a:r>
+              <a:rPr lang="en-US" dirty="0"/>
+              <a:t> pattern implement </a:t>
+            </a:r>
+            <a:r>
+              <a:rPr lang="en-US" dirty="0" err="1"/>
+              <a:t>BookBorrowable</a:t>
+            </a:r>
+            <a:r>
+              <a:rPr lang="en-US" dirty="0"/>
+              <a:t> class that enables to borrow a book from the library.</a:t>
+            </a:r>
+          </a:p>
+          <a:p>
+            <a:endParaRPr lang="en-US" dirty="0"/>
+          </a:p>
+        </p:txBody>
+      </p:sp>
+    </p:spTree>
+    <p:extLst>
+      <p:ext uri="{BB962C8B-B14F-4D97-AF65-F5344CB8AC3E}">
+        <p14:creationId xmlns:p14="http://schemas.microsoft.com/office/powerpoint/2010/main" val="404622422"/>
       </p:ext>
     </p:extLst>
   </p:cSld>

--- a/Documents/Design Patterns Presentation.pptx
+++ b/Documents/Design Patterns Presentation.pptx
@@ -8,23 +8,24 @@
     <p:sldId id="256" r:id="rId2"/>
     <p:sldId id="258" r:id="rId3"/>
     <p:sldId id="271" r:id="rId4"/>
-    <p:sldId id="272" r:id="rId5"/>
-    <p:sldId id="285" r:id="rId6"/>
-    <p:sldId id="273" r:id="rId7"/>
-    <p:sldId id="274" r:id="rId8"/>
-    <p:sldId id="278" r:id="rId9"/>
-    <p:sldId id="287" r:id="rId10"/>
-    <p:sldId id="276" r:id="rId11"/>
-    <p:sldId id="288" r:id="rId12"/>
-    <p:sldId id="286" r:id="rId13"/>
-    <p:sldId id="289" r:id="rId14"/>
-    <p:sldId id="290" r:id="rId15"/>
-    <p:sldId id="270" r:id="rId16"/>
-    <p:sldId id="283" r:id="rId17"/>
-    <p:sldId id="291" r:id="rId18"/>
-    <p:sldId id="284" r:id="rId19"/>
-    <p:sldId id="281" r:id="rId20"/>
-    <p:sldId id="280" r:id="rId21"/>
+    <p:sldId id="292" r:id="rId5"/>
+    <p:sldId id="272" r:id="rId6"/>
+    <p:sldId id="285" r:id="rId7"/>
+    <p:sldId id="273" r:id="rId8"/>
+    <p:sldId id="274" r:id="rId9"/>
+    <p:sldId id="278" r:id="rId10"/>
+    <p:sldId id="287" r:id="rId11"/>
+    <p:sldId id="276" r:id="rId12"/>
+    <p:sldId id="288" r:id="rId13"/>
+    <p:sldId id="286" r:id="rId14"/>
+    <p:sldId id="289" r:id="rId15"/>
+    <p:sldId id="290" r:id="rId16"/>
+    <p:sldId id="270" r:id="rId17"/>
+    <p:sldId id="283" r:id="rId18"/>
+    <p:sldId id="291" r:id="rId19"/>
+    <p:sldId id="284" r:id="rId20"/>
+    <p:sldId id="281" r:id="rId21"/>
+    <p:sldId id="280" r:id="rId22"/>
   </p:sldIdLst>
   <p:sldSz cx="9144000" cy="5143500" type="screen16x9"/>
   <p:notesSz cx="6858000" cy="9144000"/>
@@ -5927,40 +5928,30 @@
             <p:ph type="title"/>
           </p:nvPr>
         </p:nvSpPr>
-        <p:spPr/>
+        <p:spPr>
+          <a:xfrm>
+            <a:off x="927403" y="1058954"/>
+            <a:ext cx="6948906" cy="857250"/>
+          </a:xfrm>
+        </p:spPr>
         <p:txBody>
           <a:bodyPr/>
           <a:lstStyle/>
           <a:p>
             <a:r>
               <a:rPr lang="en-US" sz="1800" dirty="0"/>
-              <a:t>Some</a:t>
-            </a:r>
-            <a:r>
-              <a:rPr lang="en-US" dirty="0"/>
-              <a:t> Design Patterns</a:t>
-            </a:r>
-          </a:p>
-        </p:txBody>
-      </p:sp>
-      <p:sp>
-        <p:nvSpPr>
-          <p:cNvPr id="3" name="Text Placeholder 2"/>
-          <p:cNvSpPr>
-            <a:spLocks noGrp="1"/>
-          </p:cNvSpPr>
-          <p:nvPr>
-            <p:ph type="body" sz="quarter" idx="13"/>
-          </p:nvPr>
-        </p:nvSpPr>
-        <p:spPr/>
-        <p:txBody>
-          <a:bodyPr/>
-          <a:lstStyle/>
-          <a:p>
-            <a:r>
-              <a:rPr lang="en-US" dirty="0"/>
-              <a:t>In nutshell</a:t>
+              <a:t>Introduction to</a:t>
+            </a:r>
+            <a:r>
+              <a:rPr lang="en-US" dirty="0"/>
+              <a:t> </a:t>
+            </a:r>
+            <a:br>
+              <a:rPr lang="en-US" dirty="0"/>
+            </a:br>
+            <a:r>
+              <a:rPr lang="en-US" dirty="0"/>
+              <a:t>Design Patterns</a:t>
             </a:r>
           </a:p>
         </p:txBody>
@@ -6074,6 +6065,530 @@
           <a:lstStyle/>
           <a:p>
             <a:r>
+              <a:rPr lang="en-CA" dirty="0"/>
+              <a:t>Bridge – practical example</a:t>
+            </a:r>
+          </a:p>
+        </p:txBody>
+      </p:sp>
+      <p:pic>
+        <p:nvPicPr>
+          <p:cNvPr id="4" name="Picture 3"/>
+          <p:cNvPicPr>
+            <a:picLocks noChangeAspect="1"/>
+          </p:cNvPicPr>
+          <p:nvPr/>
+        </p:nvPicPr>
+        <p:blipFill>
+          <a:blip r:embed="rId2"/>
+          <a:stretch>
+            <a:fillRect/>
+          </a:stretch>
+        </p:blipFill>
+        <p:spPr>
+          <a:xfrm>
+            <a:off x="5181375" y="1116173"/>
+            <a:ext cx="3178856" cy="701353"/>
+          </a:xfrm>
+          <a:prstGeom prst="rect">
+            <a:avLst/>
+          </a:prstGeom>
+          <a:effectLst>
+            <a:glow rad="127000">
+              <a:schemeClr val="accent1">
+                <a:lumMod val="20000"/>
+                <a:lumOff val="80000"/>
+              </a:schemeClr>
+            </a:glow>
+          </a:effectLst>
+        </p:spPr>
+      </p:pic>
+      <p:pic>
+        <p:nvPicPr>
+          <p:cNvPr id="6" name="Picture 5"/>
+          <p:cNvPicPr>
+            <a:picLocks noChangeAspect="1"/>
+          </p:cNvPicPr>
+          <p:nvPr/>
+        </p:nvPicPr>
+        <p:blipFill>
+          <a:blip r:embed="rId3"/>
+          <a:stretch>
+            <a:fillRect/>
+          </a:stretch>
+        </p:blipFill>
+        <p:spPr>
+          <a:xfrm>
+            <a:off x="4455489" y="2880946"/>
+            <a:ext cx="2134552" cy="958083"/>
+          </a:xfrm>
+          <a:prstGeom prst="rect">
+            <a:avLst/>
+          </a:prstGeom>
+          <a:effectLst>
+            <a:glow rad="127000">
+              <a:schemeClr val="accent1">
+                <a:lumMod val="20000"/>
+                <a:lumOff val="80000"/>
+              </a:schemeClr>
+            </a:glow>
+          </a:effectLst>
+        </p:spPr>
+      </p:pic>
+      <p:pic>
+        <p:nvPicPr>
+          <p:cNvPr id="7" name="Picture 6"/>
+          <p:cNvPicPr>
+            <a:picLocks noChangeAspect="1"/>
+          </p:cNvPicPr>
+          <p:nvPr/>
+        </p:nvPicPr>
+        <p:blipFill>
+          <a:blip r:embed="rId4"/>
+          <a:stretch>
+            <a:fillRect/>
+          </a:stretch>
+        </p:blipFill>
+        <p:spPr>
+          <a:xfrm>
+            <a:off x="6679156" y="2997060"/>
+            <a:ext cx="2359027" cy="725854"/>
+          </a:xfrm>
+          <a:prstGeom prst="rect">
+            <a:avLst/>
+          </a:prstGeom>
+          <a:effectLst>
+            <a:glow rad="127000">
+              <a:schemeClr val="accent1">
+                <a:lumMod val="20000"/>
+                <a:lumOff val="80000"/>
+              </a:schemeClr>
+            </a:glow>
+          </a:effectLst>
+        </p:spPr>
+      </p:pic>
+      <p:pic>
+        <p:nvPicPr>
+          <p:cNvPr id="8" name="Picture 7"/>
+          <p:cNvPicPr>
+            <a:picLocks noChangeAspect="1"/>
+          </p:cNvPicPr>
+          <p:nvPr/>
+        </p:nvPicPr>
+        <p:blipFill>
+          <a:blip r:embed="rId5"/>
+          <a:stretch>
+            <a:fillRect/>
+          </a:stretch>
+        </p:blipFill>
+        <p:spPr>
+          <a:xfrm>
+            <a:off x="778319" y="1070839"/>
+            <a:ext cx="1929730" cy="1117869"/>
+          </a:xfrm>
+          <a:prstGeom prst="rect">
+            <a:avLst/>
+          </a:prstGeom>
+          <a:effectLst>
+            <a:glow rad="127000">
+              <a:schemeClr val="accent1">
+                <a:lumMod val="20000"/>
+                <a:lumOff val="80000"/>
+              </a:schemeClr>
+            </a:glow>
+          </a:effectLst>
+        </p:spPr>
+      </p:pic>
+      <p:pic>
+        <p:nvPicPr>
+          <p:cNvPr id="9" name="Picture 8"/>
+          <p:cNvPicPr>
+            <a:picLocks noChangeAspect="1"/>
+          </p:cNvPicPr>
+          <p:nvPr/>
+        </p:nvPicPr>
+        <p:blipFill>
+          <a:blip r:embed="rId6"/>
+          <a:stretch>
+            <a:fillRect/>
+          </a:stretch>
+        </p:blipFill>
+        <p:spPr>
+          <a:xfrm>
+            <a:off x="485533" y="2689698"/>
+            <a:ext cx="3319205" cy="1577502"/>
+          </a:xfrm>
+          <a:prstGeom prst="rect">
+            <a:avLst/>
+          </a:prstGeom>
+          <a:effectLst>
+            <a:glow rad="127000">
+              <a:schemeClr val="accent1">
+                <a:lumMod val="20000"/>
+                <a:lumOff val="80000"/>
+              </a:schemeClr>
+            </a:glow>
+          </a:effectLst>
+        </p:spPr>
+      </p:pic>
+      <p:pic>
+        <p:nvPicPr>
+          <p:cNvPr id="10" name="Picture 9"/>
+          <p:cNvPicPr>
+            <a:picLocks noChangeAspect="1"/>
+          </p:cNvPicPr>
+          <p:nvPr/>
+        </p:nvPicPr>
+        <p:blipFill>
+          <a:blip r:embed="rId7">
+            <a:lum bright="-4000"/>
+          </a:blip>
+          <a:stretch>
+            <a:fillRect/>
+          </a:stretch>
+        </p:blipFill>
+        <p:spPr>
+          <a:xfrm>
+            <a:off x="3106848" y="1990880"/>
+            <a:ext cx="1879488" cy="508020"/>
+          </a:xfrm>
+          <a:prstGeom prst="rect">
+            <a:avLst/>
+          </a:prstGeom>
+          <a:effectLst>
+            <a:glow rad="101600">
+              <a:schemeClr val="accent1">
+                <a:lumMod val="20000"/>
+                <a:lumOff val="80000"/>
+                <a:alpha val="40000"/>
+              </a:schemeClr>
+            </a:glow>
+          </a:effectLst>
+        </p:spPr>
+      </p:pic>
+    </p:spTree>
+    <p:extLst>
+      <p:ext uri="{BB962C8B-B14F-4D97-AF65-F5344CB8AC3E}">
+        <p14:creationId xmlns:p14="http://schemas.microsoft.com/office/powerpoint/2010/main" val="3175472840"/>
+      </p:ext>
+    </p:extLst>
+  </p:cSld>
+  <p:clrMapOvr>
+    <a:masterClrMapping/>
+  </p:clrMapOvr>
+  <p:timing>
+    <p:tnLst>
+      <p:par>
+        <p:cTn id="1" dur="indefinite" restart="never" nodeType="tmRoot">
+          <p:childTnLst>
+            <p:seq concurrent="1" nextAc="seek">
+              <p:cTn id="2" dur="indefinite" nodeType="mainSeq">
+                <p:childTnLst>
+                  <p:par>
+                    <p:cTn id="3" fill="hold">
+                      <p:stCondLst>
+                        <p:cond delay="indefinite"/>
+                      </p:stCondLst>
+                      <p:childTnLst>
+                        <p:par>
+                          <p:cTn id="4" fill="hold">
+                            <p:stCondLst>
+                              <p:cond delay="0"/>
+                            </p:stCondLst>
+                            <p:childTnLst>
+                              <p:par>
+                                <p:cTn id="5" presetID="10" presetClass="entr" presetSubtype="0" fill="hold" nodeType="clickEffect">
+                                  <p:stCondLst>
+                                    <p:cond delay="0"/>
+                                  </p:stCondLst>
+                                  <p:childTnLst>
+                                    <p:set>
+                                      <p:cBhvr>
+                                        <p:cTn id="6" dur="1" fill="hold">
+                                          <p:stCondLst>
+                                            <p:cond delay="0"/>
+                                          </p:stCondLst>
+                                        </p:cTn>
+                                        <p:tgtEl>
+                                          <p:spTgt spid="4"/>
+                                        </p:tgtEl>
+                                        <p:attrNameLst>
+                                          <p:attrName>style.visibility</p:attrName>
+                                        </p:attrNameLst>
+                                      </p:cBhvr>
+                                      <p:to>
+                                        <p:strVal val="visible"/>
+                                      </p:to>
+                                    </p:set>
+                                    <p:animEffect transition="in" filter="fade">
+                                      <p:cBhvr>
+                                        <p:cTn id="7" dur="500"/>
+                                        <p:tgtEl>
+                                          <p:spTgt spid="4"/>
+                                        </p:tgtEl>
+                                      </p:cBhvr>
+                                    </p:animEffect>
+                                  </p:childTnLst>
+                                </p:cTn>
+                              </p:par>
+                            </p:childTnLst>
+                          </p:cTn>
+                        </p:par>
+                      </p:childTnLst>
+                    </p:cTn>
+                  </p:par>
+                  <p:par>
+                    <p:cTn id="8" fill="hold">
+                      <p:stCondLst>
+                        <p:cond delay="indefinite"/>
+                      </p:stCondLst>
+                      <p:childTnLst>
+                        <p:par>
+                          <p:cTn id="9" fill="hold">
+                            <p:stCondLst>
+                              <p:cond delay="0"/>
+                            </p:stCondLst>
+                            <p:childTnLst>
+                              <p:par>
+                                <p:cTn id="10" presetID="10" presetClass="entr" presetSubtype="0" fill="hold" nodeType="clickEffect">
+                                  <p:stCondLst>
+                                    <p:cond delay="0"/>
+                                  </p:stCondLst>
+                                  <p:childTnLst>
+                                    <p:set>
+                                      <p:cBhvr>
+                                        <p:cTn id="11" dur="1" fill="hold">
+                                          <p:stCondLst>
+                                            <p:cond delay="0"/>
+                                          </p:stCondLst>
+                                        </p:cTn>
+                                        <p:tgtEl>
+                                          <p:spTgt spid="6"/>
+                                        </p:tgtEl>
+                                        <p:attrNameLst>
+                                          <p:attrName>style.visibility</p:attrName>
+                                        </p:attrNameLst>
+                                      </p:cBhvr>
+                                      <p:to>
+                                        <p:strVal val="visible"/>
+                                      </p:to>
+                                    </p:set>
+                                    <p:animEffect transition="in" filter="fade">
+                                      <p:cBhvr>
+                                        <p:cTn id="12" dur="500"/>
+                                        <p:tgtEl>
+                                          <p:spTgt spid="6"/>
+                                        </p:tgtEl>
+                                      </p:cBhvr>
+                                    </p:animEffect>
+                                  </p:childTnLst>
+                                </p:cTn>
+                              </p:par>
+                              <p:par>
+                                <p:cTn id="13" presetID="10" presetClass="entr" presetSubtype="0" fill="hold" nodeType="withEffect">
+                                  <p:stCondLst>
+                                    <p:cond delay="0"/>
+                                  </p:stCondLst>
+                                  <p:childTnLst>
+                                    <p:set>
+                                      <p:cBhvr>
+                                        <p:cTn id="14" dur="1" fill="hold">
+                                          <p:stCondLst>
+                                            <p:cond delay="0"/>
+                                          </p:stCondLst>
+                                        </p:cTn>
+                                        <p:tgtEl>
+                                          <p:spTgt spid="7"/>
+                                        </p:tgtEl>
+                                        <p:attrNameLst>
+                                          <p:attrName>style.visibility</p:attrName>
+                                        </p:attrNameLst>
+                                      </p:cBhvr>
+                                      <p:to>
+                                        <p:strVal val="visible"/>
+                                      </p:to>
+                                    </p:set>
+                                    <p:animEffect transition="in" filter="fade">
+                                      <p:cBhvr>
+                                        <p:cTn id="15" dur="500"/>
+                                        <p:tgtEl>
+                                          <p:spTgt spid="7"/>
+                                        </p:tgtEl>
+                                      </p:cBhvr>
+                                    </p:animEffect>
+                                  </p:childTnLst>
+                                </p:cTn>
+                              </p:par>
+                            </p:childTnLst>
+                          </p:cTn>
+                        </p:par>
+                      </p:childTnLst>
+                    </p:cTn>
+                  </p:par>
+                  <p:par>
+                    <p:cTn id="16" fill="hold">
+                      <p:stCondLst>
+                        <p:cond delay="indefinite"/>
+                      </p:stCondLst>
+                      <p:childTnLst>
+                        <p:par>
+                          <p:cTn id="17" fill="hold">
+                            <p:stCondLst>
+                              <p:cond delay="0"/>
+                            </p:stCondLst>
+                            <p:childTnLst>
+                              <p:par>
+                                <p:cTn id="18" presetID="10" presetClass="entr" presetSubtype="0" fill="hold" nodeType="clickEffect">
+                                  <p:stCondLst>
+                                    <p:cond delay="0"/>
+                                  </p:stCondLst>
+                                  <p:childTnLst>
+                                    <p:set>
+                                      <p:cBhvr>
+                                        <p:cTn id="19" dur="1" fill="hold">
+                                          <p:stCondLst>
+                                            <p:cond delay="0"/>
+                                          </p:stCondLst>
+                                        </p:cTn>
+                                        <p:tgtEl>
+                                          <p:spTgt spid="8"/>
+                                        </p:tgtEl>
+                                        <p:attrNameLst>
+                                          <p:attrName>style.visibility</p:attrName>
+                                        </p:attrNameLst>
+                                      </p:cBhvr>
+                                      <p:to>
+                                        <p:strVal val="visible"/>
+                                      </p:to>
+                                    </p:set>
+                                    <p:animEffect transition="in" filter="fade">
+                                      <p:cBhvr>
+                                        <p:cTn id="20" dur="500"/>
+                                        <p:tgtEl>
+                                          <p:spTgt spid="8"/>
+                                        </p:tgtEl>
+                                      </p:cBhvr>
+                                    </p:animEffect>
+                                  </p:childTnLst>
+                                </p:cTn>
+                              </p:par>
+                            </p:childTnLst>
+                          </p:cTn>
+                        </p:par>
+                      </p:childTnLst>
+                    </p:cTn>
+                  </p:par>
+                  <p:par>
+                    <p:cTn id="21" fill="hold">
+                      <p:stCondLst>
+                        <p:cond delay="indefinite"/>
+                      </p:stCondLst>
+                      <p:childTnLst>
+                        <p:par>
+                          <p:cTn id="22" fill="hold">
+                            <p:stCondLst>
+                              <p:cond delay="0"/>
+                            </p:stCondLst>
+                            <p:childTnLst>
+                              <p:par>
+                                <p:cTn id="23" presetID="10" presetClass="entr" presetSubtype="0" fill="hold" nodeType="clickEffect">
+                                  <p:stCondLst>
+                                    <p:cond delay="0"/>
+                                  </p:stCondLst>
+                                  <p:childTnLst>
+                                    <p:set>
+                                      <p:cBhvr>
+                                        <p:cTn id="24" dur="1" fill="hold">
+                                          <p:stCondLst>
+                                            <p:cond delay="0"/>
+                                          </p:stCondLst>
+                                        </p:cTn>
+                                        <p:tgtEl>
+                                          <p:spTgt spid="9"/>
+                                        </p:tgtEl>
+                                        <p:attrNameLst>
+                                          <p:attrName>style.visibility</p:attrName>
+                                        </p:attrNameLst>
+                                      </p:cBhvr>
+                                      <p:to>
+                                        <p:strVal val="visible"/>
+                                      </p:to>
+                                    </p:set>
+                                    <p:animEffect transition="in" filter="fade">
+                                      <p:cBhvr>
+                                        <p:cTn id="25" dur="500"/>
+                                        <p:tgtEl>
+                                          <p:spTgt spid="9"/>
+                                        </p:tgtEl>
+                                      </p:cBhvr>
+                                    </p:animEffect>
+                                  </p:childTnLst>
+                                </p:cTn>
+                              </p:par>
+                            </p:childTnLst>
+                          </p:cTn>
+                        </p:par>
+                      </p:childTnLst>
+                    </p:cTn>
+                  </p:par>
+                </p:childTnLst>
+              </p:cTn>
+              <p:prevCondLst>
+                <p:cond evt="onPrev" delay="0">
+                  <p:tgtEl>
+                    <p:sldTgt/>
+                  </p:tgtEl>
+                </p:cond>
+              </p:prevCondLst>
+              <p:nextCondLst>
+                <p:cond evt="onNext" delay="0">
+                  <p:tgtEl>
+                    <p:sldTgt/>
+                  </p:tgtEl>
+                </p:cond>
+              </p:nextCondLst>
+            </p:seq>
+          </p:childTnLst>
+        </p:cTn>
+      </p:par>
+    </p:tnLst>
+  </p:timing>
+</p:sld>
+</file>
+
+<file path=ppt/slides/slide11.xml><?xml version="1.0" encoding="utf-8"?>
+<p:sld xmlns:a="http://schemas.openxmlformats.org/drawingml/2006/main" xmlns:r="http://schemas.openxmlformats.org/officeDocument/2006/relationships" xmlns:p="http://schemas.openxmlformats.org/presentationml/2006/main">
+  <p:cSld>
+    <p:spTree>
+      <p:nvGrpSpPr>
+        <p:cNvPr id="1" name=""/>
+        <p:cNvGrpSpPr/>
+        <p:nvPr/>
+      </p:nvGrpSpPr>
+      <p:grpSpPr>
+        <a:xfrm>
+          <a:off x="0" y="0"/>
+          <a:ext cx="0" cy="0"/>
+          <a:chOff x="0" y="0"/>
+          <a:chExt cx="0" cy="0"/>
+        </a:xfrm>
+      </p:grpSpPr>
+      <p:sp>
+        <p:nvSpPr>
+          <p:cNvPr id="2" name="Title 1"/>
+          <p:cNvSpPr>
+            <a:spLocks noGrp="1"/>
+          </p:cNvSpPr>
+          <p:nvPr>
+            <p:ph type="title"/>
+          </p:nvPr>
+        </p:nvSpPr>
+        <p:spPr/>
+        <p:txBody>
+          <a:bodyPr/>
+          <a:lstStyle/>
+          <a:p>
+            <a:r>
               <a:rPr lang="en-US" dirty="0"/>
               <a:t>Decorator (structural)</a:t>
             </a:r>
@@ -6168,7 +6683,7 @@
 </p:sld>
 </file>
 
-<file path=ppt/slides/slide11.xml><?xml version="1.0" encoding="utf-8"?>
+<file path=ppt/slides/slide12.xml><?xml version="1.0" encoding="utf-8"?>
 <p:sld xmlns:a="http://schemas.openxmlformats.org/drawingml/2006/main" xmlns:r="http://schemas.openxmlformats.org/officeDocument/2006/relationships" xmlns:p="http://schemas.openxmlformats.org/presentationml/2006/main">
   <p:cSld>
     <p:spTree>
@@ -6404,7 +6919,7 @@
 </p:sld>
 </file>
 
-<file path=ppt/slides/slide12.xml><?xml version="1.0" encoding="utf-8"?>
+<file path=ppt/slides/slide13.xml><?xml version="1.0" encoding="utf-8"?>
 <p:sld xmlns:a="http://schemas.openxmlformats.org/drawingml/2006/main" xmlns:r="http://schemas.openxmlformats.org/officeDocument/2006/relationships" xmlns:p="http://schemas.openxmlformats.org/presentationml/2006/main">
   <p:cSld>
     <p:spTree>
@@ -6531,7 +7046,7 @@
 </p:sld>
 </file>
 
-<file path=ppt/slides/slide13.xml><?xml version="1.0" encoding="utf-8"?>
+<file path=ppt/slides/slide14.xml><?xml version="1.0" encoding="utf-8"?>
 <p:sld xmlns:a="http://schemas.openxmlformats.org/drawingml/2006/main" xmlns:r="http://schemas.openxmlformats.org/officeDocument/2006/relationships" xmlns:p="http://schemas.openxmlformats.org/presentationml/2006/main">
   <p:cSld>
     <p:spTree>
@@ -6723,64 +7238,6 @@
 </p:sld>
 </file>
 
-<file path=ppt/slides/slide14.xml><?xml version="1.0" encoding="utf-8"?>
-<p:sld xmlns:a="http://schemas.openxmlformats.org/drawingml/2006/main" xmlns:r="http://schemas.openxmlformats.org/officeDocument/2006/relationships" xmlns:p="http://schemas.openxmlformats.org/presentationml/2006/main">
-  <p:cSld>
-    <p:spTree>
-      <p:nvGrpSpPr>
-        <p:cNvPr id="1" name=""/>
-        <p:cNvGrpSpPr/>
-        <p:nvPr/>
-      </p:nvGrpSpPr>
-      <p:grpSpPr>
-        <a:xfrm>
-          <a:off x="0" y="0"/>
-          <a:ext cx="0" cy="0"/>
-          <a:chOff x="0" y="0"/>
-          <a:chExt cx="0" cy="0"/>
-        </a:xfrm>
-      </p:grpSpPr>
-      <p:sp>
-        <p:nvSpPr>
-          <p:cNvPr id="2" name="Title 1"/>
-          <p:cNvSpPr>
-            <a:spLocks noGrp="1"/>
-          </p:cNvSpPr>
-          <p:nvPr>
-            <p:ph type="title"/>
-          </p:nvPr>
-        </p:nvSpPr>
-        <p:spPr>
-          <a:xfrm>
-            <a:off x="406400" y="2098138"/>
-            <a:ext cx="8350250" cy="857250"/>
-          </a:xfrm>
-        </p:spPr>
-        <p:txBody>
-          <a:bodyPr/>
-          <a:lstStyle/>
-          <a:p>
-            <a:pPr algn="ctr"/>
-            <a:r>
-              <a:rPr lang="en-CA" dirty="0"/>
-              <a:t>Q&amp;A</a:t>
-            </a:r>
-          </a:p>
-        </p:txBody>
-      </p:sp>
-    </p:spTree>
-    <p:extLst>
-      <p:ext uri="{BB962C8B-B14F-4D97-AF65-F5344CB8AC3E}">
-        <p14:creationId xmlns:p14="http://schemas.microsoft.com/office/powerpoint/2010/main" val="2045013666"/>
-      </p:ext>
-    </p:extLst>
-  </p:cSld>
-  <p:clrMapOvr>
-    <a:masterClrMapping/>
-  </p:clrMapOvr>
-</p:sld>
-</file>
-
 <file path=ppt/slides/slide15.xml><?xml version="1.0" encoding="utf-8"?>
 <p:sld xmlns:a="http://schemas.openxmlformats.org/drawingml/2006/main" xmlns:r="http://schemas.openxmlformats.org/officeDocument/2006/relationships" xmlns:p="http://schemas.openxmlformats.org/presentationml/2006/main">
   <p:cSld>
@@ -6808,83 +7265,28 @@
             <p:ph type="title"/>
           </p:nvPr>
         </p:nvSpPr>
-        <p:spPr/>
+        <p:spPr>
+          <a:xfrm>
+            <a:off x="406400" y="2098138"/>
+            <a:ext cx="8350250" cy="857250"/>
+          </a:xfrm>
+        </p:spPr>
         <p:txBody>
           <a:bodyPr/>
           <a:lstStyle/>
           <a:p>
-            <a:r>
-              <a:rPr lang="en-US" dirty="0"/>
-              <a:t>Resources</a:t>
-            </a:r>
-          </a:p>
-        </p:txBody>
-      </p:sp>
-      <p:sp>
-        <p:nvSpPr>
-          <p:cNvPr id="4" name="Text Placeholder 3"/>
-          <p:cNvSpPr>
-            <a:spLocks noGrp="1"/>
-          </p:cNvSpPr>
-          <p:nvPr>
-            <p:ph type="body" sz="quarter" idx="10"/>
-          </p:nvPr>
-        </p:nvSpPr>
-        <p:spPr/>
-        <p:txBody>
-          <a:bodyPr/>
-          <a:lstStyle/>
-          <a:p>
-            <a:r>
-              <a:rPr lang="en-US" dirty="0">
-                <a:hlinkClick r:id="rId2"/>
-              </a:rPr>
-              <a:t>https://sourcemaking.com/design_patterns</a:t>
-            </a:r>
-            <a:endParaRPr lang="en-US" dirty="0"/>
-          </a:p>
-          <a:p>
-            <a:r>
-              <a:rPr lang="en-US" dirty="0">
-                <a:hlinkClick r:id="rId3"/>
-              </a:rPr>
-              <a:t>http://www.dofactory.com/net/design-patterns</a:t>
-            </a:r>
-            <a:endParaRPr lang="en-US" dirty="0"/>
-          </a:p>
-          <a:p>
-            <a:endParaRPr lang="en-US" dirty="0"/>
-          </a:p>
-        </p:txBody>
-      </p:sp>
-      <p:pic>
-        <p:nvPicPr>
-          <p:cNvPr id="3" name="Picture 2"/>
-          <p:cNvPicPr>
-            <a:picLocks noChangeAspect="1"/>
-          </p:cNvPicPr>
-          <p:nvPr/>
-        </p:nvPicPr>
-        <p:blipFill>
-          <a:blip r:embed="rId4"/>
-          <a:stretch>
-            <a:fillRect/>
-          </a:stretch>
-        </p:blipFill>
-        <p:spPr>
-          <a:xfrm>
-            <a:off x="1534037" y="2228335"/>
-            <a:ext cx="1547529" cy="2037835"/>
-          </a:xfrm>
-          <a:prstGeom prst="rect">
-            <a:avLst/>
-          </a:prstGeom>
-        </p:spPr>
-      </p:pic>
+            <a:pPr algn="ctr"/>
+            <a:r>
+              <a:rPr lang="en-CA" dirty="0"/>
+              <a:t>Q&amp;A</a:t>
+            </a:r>
+          </a:p>
+        </p:txBody>
+      </p:sp>
     </p:spTree>
     <p:extLst>
       <p:ext uri="{BB962C8B-B14F-4D97-AF65-F5344CB8AC3E}">
-        <p14:creationId xmlns:p14="http://schemas.microsoft.com/office/powerpoint/2010/main" val="2791484755"/>
+        <p14:creationId xmlns:p14="http://schemas.microsoft.com/office/powerpoint/2010/main" val="2045013666"/>
       </p:ext>
     </p:extLst>
   </p:cSld>
@@ -6918,31 +7320,86 @@
             <a:spLocks noGrp="1"/>
           </p:cNvSpPr>
           <p:nvPr>
-            <p:ph type="ctrTitle"/>
-          </p:nvPr>
-        </p:nvSpPr>
-        <p:spPr>
-          <a:xfrm>
-            <a:off x="633334" y="1453277"/>
-            <a:ext cx="7772400" cy="1470025"/>
-          </a:xfrm>
-        </p:spPr>
+            <p:ph type="title"/>
+          </p:nvPr>
+        </p:nvSpPr>
+        <p:spPr/>
         <p:txBody>
           <a:bodyPr/>
           <a:lstStyle/>
           <a:p>
-            <a:pPr algn="ctr"/>
-            <a:r>
-              <a:rPr lang="en-US" dirty="0"/>
-              <a:t>Exercises</a:t>
-            </a:r>
-          </a:p>
-        </p:txBody>
-      </p:sp>
+            <a:r>
+              <a:rPr lang="en-US" dirty="0"/>
+              <a:t>Resources</a:t>
+            </a:r>
+          </a:p>
+        </p:txBody>
+      </p:sp>
+      <p:sp>
+        <p:nvSpPr>
+          <p:cNvPr id="4" name="Text Placeholder 3"/>
+          <p:cNvSpPr>
+            <a:spLocks noGrp="1"/>
+          </p:cNvSpPr>
+          <p:nvPr>
+            <p:ph type="body" sz="quarter" idx="10"/>
+          </p:nvPr>
+        </p:nvSpPr>
+        <p:spPr/>
+        <p:txBody>
+          <a:bodyPr/>
+          <a:lstStyle/>
+          <a:p>
+            <a:r>
+              <a:rPr lang="en-US" dirty="0">
+                <a:hlinkClick r:id="rId2"/>
+              </a:rPr>
+              <a:t>https://sourcemaking.com/design_patterns</a:t>
+            </a:r>
+            <a:endParaRPr lang="en-US" dirty="0"/>
+          </a:p>
+          <a:p>
+            <a:r>
+              <a:rPr lang="en-US" dirty="0">
+                <a:hlinkClick r:id="rId3"/>
+              </a:rPr>
+              <a:t>http://www.dofactory.com/net/design-patterns</a:t>
+            </a:r>
+            <a:endParaRPr lang="en-US" dirty="0"/>
+          </a:p>
+          <a:p>
+            <a:endParaRPr lang="en-US" dirty="0"/>
+          </a:p>
+        </p:txBody>
+      </p:sp>
+      <p:pic>
+        <p:nvPicPr>
+          <p:cNvPr id="3" name="Picture 2"/>
+          <p:cNvPicPr>
+            <a:picLocks noChangeAspect="1"/>
+          </p:cNvPicPr>
+          <p:nvPr/>
+        </p:nvPicPr>
+        <p:blipFill>
+          <a:blip r:embed="rId4"/>
+          <a:stretch>
+            <a:fillRect/>
+          </a:stretch>
+        </p:blipFill>
+        <p:spPr>
+          <a:xfrm>
+            <a:off x="1534037" y="2228335"/>
+            <a:ext cx="1547529" cy="2037835"/>
+          </a:xfrm>
+          <a:prstGeom prst="rect">
+            <a:avLst/>
+          </a:prstGeom>
+        </p:spPr>
+      </p:pic>
     </p:spTree>
     <p:extLst>
       <p:ext uri="{BB962C8B-B14F-4D97-AF65-F5344CB8AC3E}">
-        <p14:creationId xmlns:p14="http://schemas.microsoft.com/office/powerpoint/2010/main" val="2737262728"/>
+        <p14:creationId xmlns:p14="http://schemas.microsoft.com/office/powerpoint/2010/main" val="2791484755"/>
       </p:ext>
     </p:extLst>
   </p:cSld>
@@ -6976,73 +7433,31 @@
             <a:spLocks noGrp="1"/>
           </p:cNvSpPr>
           <p:nvPr>
-            <p:ph type="title"/>
-          </p:nvPr>
-        </p:nvSpPr>
-        <p:spPr/>
+            <p:ph type="ctrTitle"/>
+          </p:nvPr>
+        </p:nvSpPr>
+        <p:spPr>
+          <a:xfrm>
+            <a:off x="633334" y="1453277"/>
+            <a:ext cx="7772400" cy="1470025"/>
+          </a:xfrm>
+        </p:spPr>
         <p:txBody>
           <a:bodyPr/>
           <a:lstStyle/>
           <a:p>
-            <a:r>
-              <a:rPr lang="en-CA" dirty="0"/>
-              <a:t>Instructions</a:t>
-            </a:r>
-          </a:p>
-        </p:txBody>
-      </p:sp>
-      <p:sp>
-        <p:nvSpPr>
-          <p:cNvPr id="3" name="Text Placeholder 2"/>
-          <p:cNvSpPr>
-            <a:spLocks noGrp="1"/>
-          </p:cNvSpPr>
-          <p:nvPr>
-            <p:ph type="body" sz="quarter" idx="10"/>
-          </p:nvPr>
-        </p:nvSpPr>
-        <p:spPr/>
-        <p:txBody>
-          <a:bodyPr/>
-          <a:lstStyle/>
-          <a:p>
-            <a:r>
-              <a:rPr lang="en-CA" dirty="0"/>
-              <a:t>Clone the Exercise project from </a:t>
-            </a:r>
-            <a:r>
-              <a:rPr lang="en-CA" dirty="0">
-                <a:hlinkClick r:id="rId2"/>
-              </a:rPr>
-              <a:t>https://github.com/VarianDeveloper/Jan2017_DesignPatternsTraining.git</a:t>
-            </a:r>
-            <a:endParaRPr lang="en-CA" dirty="0"/>
-          </a:p>
-          <a:p>
-            <a:r>
-              <a:rPr lang="en-CA" dirty="0"/>
-              <a:t>For GitHub Quick start refer to </a:t>
-            </a:r>
-            <a:r>
-              <a:rPr lang="en-CA" dirty="0">
-                <a:hlinkClick r:id="rId3"/>
-              </a:rPr>
-              <a:t>https://github.com/VarianDeveloper/Jan2017_DesignPatternsTraining/blob/master/Documents/GitHubQuickStart.docx</a:t>
-            </a:r>
-            <a:endParaRPr lang="en-CA" dirty="0"/>
-          </a:p>
-          <a:p>
-            <a:pPr marL="0" indent="0">
-              <a:buNone/>
-            </a:pPr>
-            <a:endParaRPr lang="en-CA" dirty="0"/>
+            <a:pPr algn="ctr"/>
+            <a:r>
+              <a:rPr lang="en-US" dirty="0"/>
+              <a:t>Exercises</a:t>
+            </a:r>
           </a:p>
         </p:txBody>
       </p:sp>
     </p:spTree>
     <p:extLst>
       <p:ext uri="{BB962C8B-B14F-4D97-AF65-F5344CB8AC3E}">
-        <p14:creationId xmlns:p14="http://schemas.microsoft.com/office/powerpoint/2010/main" val="3710923637"/>
+        <p14:creationId xmlns:p14="http://schemas.microsoft.com/office/powerpoint/2010/main" val="2737262728"/>
       </p:ext>
     </p:extLst>
   </p:cSld>
@@ -7085,8 +7500,8 @@
           <a:lstStyle/>
           <a:p>
             <a:r>
-              <a:rPr lang="en-US" dirty="0"/>
-              <a:t>Part1 – Implement Library main engine</a:t>
+              <a:rPr lang="en-CA" dirty="0"/>
+              <a:t>Instructions</a:t>
             </a:r>
           </a:p>
         </p:txBody>
@@ -7107,48 +7522,42 @@
           <a:lstStyle/>
           <a:p>
             <a:r>
-              <a:rPr lang="en-US" dirty="0"/>
-              <a:t>Given:</a:t>
-            </a:r>
-          </a:p>
-          <a:p>
-            <a:pPr lvl="1"/>
-            <a:r>
-              <a:rPr lang="en-US" dirty="0"/>
-              <a:t>main method which starts Library application</a:t>
-            </a:r>
-          </a:p>
-          <a:p>
-            <a:r>
-              <a:rPr lang="en-US" dirty="0"/>
-              <a:t>Task:</a:t>
-            </a:r>
-          </a:p>
-          <a:p>
-            <a:pPr lvl="1"/>
-            <a:r>
-              <a:rPr lang="en-US" dirty="0"/>
-              <a:t>Using </a:t>
-            </a:r>
-            <a:r>
-              <a:rPr lang="en-US" b="1" dirty="0">
-                <a:solidFill>
-                  <a:srgbClr val="FF0000"/>
-                </a:solidFill>
+              <a:rPr lang="en-CA" dirty="0"/>
+              <a:t>Clone the Exercise project from </a:t>
+            </a:r>
+            <a:r>
+              <a:rPr lang="en-CA" dirty="0">
+                <a:hlinkClick r:id="rId2"/>
               </a:rPr>
-              <a:t>Singleton</a:t>
-            </a:r>
-            <a:r>
-              <a:rPr lang="en-US" dirty="0"/>
-              <a:t> pattern make sure the system will always run only one instance of library </a:t>
-            </a:r>
+              <a:t>https://github.com/VarianDeveloper/Jan2017_DesignPatternsTraining.git</a:t>
+            </a:r>
+            <a:endParaRPr lang="en-CA" dirty="0"/>
+          </a:p>
+          <a:p>
+            <a:r>
+              <a:rPr lang="en-CA" dirty="0"/>
+              <a:t>For GitHub Quick start refer to </a:t>
+            </a:r>
+            <a:r>
+              <a:rPr lang="en-CA" dirty="0">
+                <a:hlinkClick r:id="rId3"/>
+              </a:rPr>
+              <a:t>https://github.com/VarianDeveloper/Jan2017_DesignPatternsTraining/blob/master/Documents/GitHubQuickStart.docx</a:t>
+            </a:r>
+            <a:endParaRPr lang="en-CA" dirty="0"/>
+          </a:p>
+          <a:p>
+            <a:pPr marL="0" indent="0">
+              <a:buNone/>
+            </a:pPr>
+            <a:endParaRPr lang="en-CA" dirty="0"/>
           </a:p>
         </p:txBody>
       </p:sp>
     </p:spTree>
     <p:extLst>
       <p:ext uri="{BB962C8B-B14F-4D97-AF65-F5344CB8AC3E}">
-        <p14:creationId xmlns:p14="http://schemas.microsoft.com/office/powerpoint/2010/main" val="4002076103"/>
+        <p14:creationId xmlns:p14="http://schemas.microsoft.com/office/powerpoint/2010/main" val="3710923637"/>
       </p:ext>
     </p:extLst>
   </p:cSld>
@@ -7185,19 +7594,14 @@
             <p:ph type="title"/>
           </p:nvPr>
         </p:nvSpPr>
-        <p:spPr>
-          <a:xfrm>
-            <a:off x="232348" y="88106"/>
-            <a:ext cx="8731770" cy="857250"/>
-          </a:xfrm>
-        </p:spPr>
+        <p:spPr/>
         <p:txBody>
           <a:bodyPr/>
           <a:lstStyle/>
           <a:p>
             <a:r>
               <a:rPr lang="en-US" dirty="0"/>
-              <a:t>Part2 - Implement part of a library registration system</a:t>
+              <a:t>Part1 – Implement Library main engine</a:t>
             </a:r>
           </a:p>
         </p:txBody>
@@ -7219,49 +7623,14 @@
           <a:p>
             <a:r>
               <a:rPr lang="en-US" dirty="0"/>
-              <a:t>Given: </a:t>
+              <a:t>Given:</a:t>
             </a:r>
           </a:p>
           <a:p>
             <a:pPr lvl="1"/>
             <a:r>
               <a:rPr lang="en-US" dirty="0"/>
-              <a:t>Book class extending </a:t>
-            </a:r>
-            <a:r>
-              <a:rPr lang="en-US" dirty="0" err="1"/>
-              <a:t>LibItem</a:t>
-            </a:r>
-            <a:r>
-              <a:rPr lang="en-US" dirty="0"/>
-              <a:t> abstract class</a:t>
-            </a:r>
-          </a:p>
-          <a:p>
-            <a:pPr lvl="1"/>
-            <a:r>
-              <a:rPr lang="en-US" dirty="0"/>
-              <a:t>Video class extending </a:t>
-            </a:r>
-            <a:r>
-              <a:rPr lang="en-US" dirty="0" err="1"/>
-              <a:t>LibItem</a:t>
-            </a:r>
-            <a:r>
-              <a:rPr lang="en-US" dirty="0"/>
-              <a:t> </a:t>
-            </a:r>
-            <a:r>
-              <a:rPr lang="en-US"/>
-              <a:t>abstract class</a:t>
-            </a:r>
-            <a:endParaRPr lang="en-US" dirty="0"/>
-          </a:p>
-          <a:p>
-            <a:pPr lvl="1"/>
-            <a:r>
-              <a:rPr lang="en-US" dirty="0"/>
-              <a:t>Customer class extending Person abstract class </a:t>
+              <a:t>main method which starts Library application</a:t>
             </a:r>
           </a:p>
           <a:p>
@@ -7282,22 +7651,19 @@
                   <a:srgbClr val="FF0000"/>
                 </a:solidFill>
               </a:rPr>
-              <a:t>Bridge</a:t>
-            </a:r>
-            <a:r>
-              <a:rPr lang="en-US" dirty="0"/>
-              <a:t> pattern implement Registration class that adds new book, video or customer to the library.</a:t>
-            </a:r>
-          </a:p>
-          <a:p>
-            <a:endParaRPr lang="en-US" dirty="0"/>
+              <a:t>Singleton</a:t>
+            </a:r>
+            <a:r>
+              <a:rPr lang="en-US" dirty="0"/>
+              <a:t> pattern make sure the system will always run only one instance of library </a:t>
+            </a:r>
           </a:p>
         </p:txBody>
       </p:sp>
     </p:spTree>
     <p:extLst>
       <p:ext uri="{BB962C8B-B14F-4D97-AF65-F5344CB8AC3E}">
-        <p14:creationId xmlns:p14="http://schemas.microsoft.com/office/powerpoint/2010/main" val="1524493106"/>
+        <p14:creationId xmlns:p14="http://schemas.microsoft.com/office/powerpoint/2010/main" val="4002076103"/>
       </p:ext>
     </p:extLst>
   </p:cSld>
@@ -7420,6 +7786,155 @@
             <p:ph type="title"/>
           </p:nvPr>
         </p:nvSpPr>
+        <p:spPr>
+          <a:xfrm>
+            <a:off x="232348" y="88106"/>
+            <a:ext cx="8731770" cy="857250"/>
+          </a:xfrm>
+        </p:spPr>
+        <p:txBody>
+          <a:bodyPr/>
+          <a:lstStyle/>
+          <a:p>
+            <a:r>
+              <a:rPr lang="en-US" dirty="0"/>
+              <a:t>Part2 - Implement part of a library registration system</a:t>
+            </a:r>
+          </a:p>
+        </p:txBody>
+      </p:sp>
+      <p:sp>
+        <p:nvSpPr>
+          <p:cNvPr id="3" name="Text Placeholder 2"/>
+          <p:cNvSpPr>
+            <a:spLocks noGrp="1"/>
+          </p:cNvSpPr>
+          <p:nvPr>
+            <p:ph type="body" sz="quarter" idx="10"/>
+          </p:nvPr>
+        </p:nvSpPr>
+        <p:spPr/>
+        <p:txBody>
+          <a:bodyPr/>
+          <a:lstStyle/>
+          <a:p>
+            <a:r>
+              <a:rPr lang="en-US" dirty="0"/>
+              <a:t>Given: </a:t>
+            </a:r>
+          </a:p>
+          <a:p>
+            <a:pPr lvl="1"/>
+            <a:r>
+              <a:rPr lang="en-US" dirty="0"/>
+              <a:t>Book class extending </a:t>
+            </a:r>
+            <a:r>
+              <a:rPr lang="en-US" dirty="0" err="1"/>
+              <a:t>LibItem</a:t>
+            </a:r>
+            <a:r>
+              <a:rPr lang="en-US" dirty="0"/>
+              <a:t> abstract class</a:t>
+            </a:r>
+          </a:p>
+          <a:p>
+            <a:pPr lvl="1"/>
+            <a:r>
+              <a:rPr lang="en-US" dirty="0"/>
+              <a:t>Video class extending </a:t>
+            </a:r>
+            <a:r>
+              <a:rPr lang="en-US" dirty="0" err="1"/>
+              <a:t>LibItem</a:t>
+            </a:r>
+            <a:r>
+              <a:rPr lang="en-US" dirty="0"/>
+              <a:t> </a:t>
+            </a:r>
+            <a:r>
+              <a:rPr lang="en-US"/>
+              <a:t>abstract class</a:t>
+            </a:r>
+            <a:endParaRPr lang="en-US" dirty="0"/>
+          </a:p>
+          <a:p>
+            <a:pPr lvl="1"/>
+            <a:r>
+              <a:rPr lang="en-US" dirty="0"/>
+              <a:t>Customer class extending Person abstract class </a:t>
+            </a:r>
+          </a:p>
+          <a:p>
+            <a:r>
+              <a:rPr lang="en-US" dirty="0"/>
+              <a:t>Task:</a:t>
+            </a:r>
+          </a:p>
+          <a:p>
+            <a:pPr lvl="1"/>
+            <a:r>
+              <a:rPr lang="en-US" dirty="0"/>
+              <a:t>Using </a:t>
+            </a:r>
+            <a:r>
+              <a:rPr lang="en-US" b="1" dirty="0">
+                <a:solidFill>
+                  <a:srgbClr val="FF0000"/>
+                </a:solidFill>
+              </a:rPr>
+              <a:t>Bridge</a:t>
+            </a:r>
+            <a:r>
+              <a:rPr lang="en-US" dirty="0"/>
+              <a:t> pattern implement Registration class that adds new book, video or customer to the library.</a:t>
+            </a:r>
+          </a:p>
+          <a:p>
+            <a:endParaRPr lang="en-US" dirty="0"/>
+          </a:p>
+        </p:txBody>
+      </p:sp>
+    </p:spTree>
+    <p:extLst>
+      <p:ext uri="{BB962C8B-B14F-4D97-AF65-F5344CB8AC3E}">
+        <p14:creationId xmlns:p14="http://schemas.microsoft.com/office/powerpoint/2010/main" val="1524493106"/>
+      </p:ext>
+    </p:extLst>
+  </p:cSld>
+  <p:clrMapOvr>
+    <a:masterClrMapping/>
+  </p:clrMapOvr>
+</p:sld>
+</file>
+
+<file path=ppt/slides/slide21.xml><?xml version="1.0" encoding="utf-8"?>
+<p:sld xmlns:a="http://schemas.openxmlformats.org/drawingml/2006/main" xmlns:r="http://schemas.openxmlformats.org/officeDocument/2006/relationships" xmlns:p="http://schemas.openxmlformats.org/presentationml/2006/main">
+  <p:cSld>
+    <p:spTree>
+      <p:nvGrpSpPr>
+        <p:cNvPr id="1" name=""/>
+        <p:cNvGrpSpPr/>
+        <p:nvPr/>
+      </p:nvGrpSpPr>
+      <p:grpSpPr>
+        <a:xfrm>
+          <a:off x="0" y="0"/>
+          <a:ext cx="0" cy="0"/>
+          <a:chOff x="0" y="0"/>
+          <a:chExt cx="0" cy="0"/>
+        </a:xfrm>
+      </p:grpSpPr>
+      <p:sp>
+        <p:nvSpPr>
+          <p:cNvPr id="2" name="Title 1"/>
+          <p:cNvSpPr>
+            <a:spLocks noGrp="1"/>
+          </p:cNvSpPr>
+          <p:nvPr>
+            <p:ph type="title"/>
+          </p:nvPr>
+        </p:nvSpPr>
         <p:spPr/>
         <p:txBody>
           <a:bodyPr/>
@@ -7576,228 +8091,273 @@
           </a:p>
         </p:txBody>
       </p:sp>
-      <p:sp>
-        <p:nvSpPr>
-          <p:cNvPr id="5" name="TextBox 4"/>
-          <p:cNvSpPr txBox="1"/>
+      <p:grpSp>
+        <p:nvGrpSpPr>
+          <p:cNvPr id="12" name="Group 11"/>
+          <p:cNvGrpSpPr/>
           <p:nvPr/>
-        </p:nvSpPr>
-        <p:spPr>
-          <a:xfrm>
-            <a:off x="1443419" y="1170809"/>
-            <a:ext cx="1326004" cy="369332"/>
-          </a:xfrm>
-          <a:prstGeom prst="rect">
-            <a:avLst/>
-          </a:prstGeom>
-          <a:noFill/>
-        </p:spPr>
-        <p:txBody>
-          <a:bodyPr wrap="none" rtlCol="0">
-            <a:spAutoFit/>
-          </a:bodyPr>
-          <a:lstStyle/>
-          <a:p>
-            <a:r>
-              <a:rPr lang="en-US" dirty="0">
-                <a:ln w="0"/>
-                <a:gradFill>
-                  <a:gsLst>
-                    <a:gs pos="21000">
-                      <a:srgbClr val="53575C"/>
-                    </a:gs>
-                    <a:gs pos="88000">
-                      <a:srgbClr val="C5C7CA"/>
-                    </a:gs>
-                  </a:gsLst>
-                  <a:lin ang="5400000"/>
-                </a:gradFill>
-              </a:rPr>
-              <a:t>Inheritance</a:t>
-            </a:r>
-          </a:p>
-        </p:txBody>
-      </p:sp>
-      <p:sp>
-        <p:nvSpPr>
-          <p:cNvPr id="6" name="TextBox 5"/>
-          <p:cNvSpPr txBox="1"/>
+        </p:nvGrpSpPr>
+        <p:grpSpPr>
+          <a:xfrm>
+            <a:off x="3324537" y="1008993"/>
+            <a:ext cx="2513975" cy="3318851"/>
+            <a:chOff x="6512333" y="1164890"/>
+            <a:chExt cx="2118663" cy="2942237"/>
+          </a:xfrm>
+        </p:grpSpPr>
+        <p:sp>
+          <p:nvSpPr>
+            <p:cNvPr id="7" name="TextBox 6"/>
+            <p:cNvSpPr txBox="1"/>
+            <p:nvPr/>
+          </p:nvSpPr>
+          <p:spPr>
+            <a:xfrm>
+              <a:off x="6857367" y="1164890"/>
+              <a:ext cx="1428596" cy="369332"/>
+            </a:xfrm>
+            <a:prstGeom prst="rect">
+              <a:avLst/>
+            </a:prstGeom>
+            <a:noFill/>
+          </p:spPr>
+          <p:txBody>
+            <a:bodyPr wrap="none" rtlCol="0">
+              <a:spAutoFit/>
+            </a:bodyPr>
+            <a:lstStyle/>
+            <a:p>
+              <a:r>
+                <a:rPr lang="en-US" dirty="0">
+                  <a:ln w="0"/>
+                  <a:gradFill>
+                    <a:gsLst>
+                      <a:gs pos="21000">
+                        <a:srgbClr val="53575C"/>
+                      </a:gs>
+                      <a:gs pos="88000">
+                        <a:srgbClr val="C5C7CA"/>
+                      </a:gs>
+                    </a:gsLst>
+                    <a:lin ang="5400000"/>
+                  </a:gradFill>
+                </a:rPr>
+                <a:t>Aggregation</a:t>
+              </a:r>
+            </a:p>
+          </p:txBody>
+        </p:sp>
+        <p:pic>
+          <p:nvPicPr>
+            <p:cNvPr id="9" name="Picture 8"/>
+            <p:cNvPicPr>
+              <a:picLocks noChangeAspect="1"/>
+            </p:cNvPicPr>
+            <p:nvPr/>
+          </p:nvPicPr>
+          <p:blipFill>
+            <a:blip r:embed="rId2"/>
+            <a:stretch>
+              <a:fillRect/>
+            </a:stretch>
+          </p:blipFill>
+          <p:spPr>
+            <a:xfrm>
+              <a:off x="6512333" y="1720721"/>
+              <a:ext cx="2118663" cy="2386406"/>
+            </a:xfrm>
+            <a:prstGeom prst="rect">
+              <a:avLst/>
+            </a:prstGeom>
+          </p:spPr>
+        </p:pic>
+      </p:grpSp>
+      <p:grpSp>
+        <p:nvGrpSpPr>
+          <p:cNvPr id="11" name="Group 10"/>
+          <p:cNvGrpSpPr/>
           <p:nvPr/>
-        </p:nvSpPr>
-        <p:spPr>
-          <a:xfrm>
-            <a:off x="4241583" y="1164890"/>
-            <a:ext cx="1467068" cy="369332"/>
-          </a:xfrm>
-          <a:prstGeom prst="rect">
-            <a:avLst/>
-          </a:prstGeom>
-          <a:noFill/>
-        </p:spPr>
-        <p:txBody>
-          <a:bodyPr wrap="none" rtlCol="0">
-            <a:spAutoFit/>
-          </a:bodyPr>
-          <a:lstStyle/>
-          <a:p>
-            <a:r>
-              <a:rPr lang="en-US" dirty="0">
-                <a:ln w="0"/>
-                <a:gradFill>
-                  <a:gsLst>
-                    <a:gs pos="21000">
-                      <a:srgbClr val="53575C"/>
-                    </a:gs>
-                    <a:gs pos="88000">
-                      <a:srgbClr val="C5C7CA"/>
-                    </a:gs>
-                  </a:gsLst>
-                  <a:lin ang="5400000"/>
-                </a:gradFill>
-              </a:rPr>
-              <a:t>Composition</a:t>
-            </a:r>
-          </a:p>
-        </p:txBody>
-      </p:sp>
-      <p:sp>
-        <p:nvSpPr>
-          <p:cNvPr id="7" name="TextBox 6"/>
-          <p:cNvSpPr txBox="1"/>
+        </p:nvGrpSpPr>
+        <p:grpSpPr>
+          <a:xfrm>
+            <a:off x="3562771" y="1072055"/>
+            <a:ext cx="2396595" cy="3374031"/>
+            <a:chOff x="4114166" y="1164890"/>
+            <a:chExt cx="1949355" cy="2942237"/>
+          </a:xfrm>
+        </p:grpSpPr>
+        <p:sp>
+          <p:nvSpPr>
+            <p:cNvPr id="6" name="TextBox 5"/>
+            <p:cNvSpPr txBox="1"/>
+            <p:nvPr/>
+          </p:nvSpPr>
+          <p:spPr>
+            <a:xfrm>
+              <a:off x="4241583" y="1164890"/>
+              <a:ext cx="1467068" cy="369332"/>
+            </a:xfrm>
+            <a:prstGeom prst="rect">
+              <a:avLst/>
+            </a:prstGeom>
+            <a:noFill/>
+          </p:spPr>
+          <p:txBody>
+            <a:bodyPr wrap="none" rtlCol="0">
+              <a:spAutoFit/>
+            </a:bodyPr>
+            <a:lstStyle/>
+            <a:p>
+              <a:r>
+                <a:rPr lang="en-US" dirty="0">
+                  <a:ln w="0"/>
+                  <a:gradFill>
+                    <a:gsLst>
+                      <a:gs pos="21000">
+                        <a:srgbClr val="53575C"/>
+                      </a:gs>
+                      <a:gs pos="88000">
+                        <a:srgbClr val="C5C7CA"/>
+                      </a:gs>
+                    </a:gsLst>
+                    <a:lin ang="5400000"/>
+                  </a:gradFill>
+                </a:rPr>
+                <a:t>Composition</a:t>
+              </a:r>
+            </a:p>
+          </p:txBody>
+        </p:sp>
+        <p:pic>
+          <p:nvPicPr>
+            <p:cNvPr id="10" name="Picture 9"/>
+            <p:cNvPicPr>
+              <a:picLocks noChangeAspect="1"/>
+            </p:cNvPicPr>
+            <p:nvPr/>
+          </p:nvPicPr>
+          <p:blipFill>
+            <a:blip r:embed="rId3"/>
+            <a:stretch>
+              <a:fillRect/>
+            </a:stretch>
+          </p:blipFill>
+          <p:spPr>
+            <a:xfrm>
+              <a:off x="4114166" y="1765594"/>
+              <a:ext cx="1949355" cy="2341533"/>
+            </a:xfrm>
+            <a:prstGeom prst="rect">
+              <a:avLst/>
+            </a:prstGeom>
+          </p:spPr>
+        </p:pic>
+      </p:grpSp>
+      <p:grpSp>
+        <p:nvGrpSpPr>
+          <p:cNvPr id="8" name="Group 7"/>
+          <p:cNvGrpSpPr/>
           <p:nvPr/>
-        </p:nvSpPr>
-        <p:spPr>
-          <a:xfrm>
-            <a:off x="6857367" y="1164890"/>
-            <a:ext cx="1428596" cy="369332"/>
-          </a:xfrm>
-          <a:prstGeom prst="rect">
-            <a:avLst/>
-          </a:prstGeom>
-          <a:noFill/>
-        </p:spPr>
-        <p:txBody>
-          <a:bodyPr wrap="none" rtlCol="0">
-            <a:spAutoFit/>
-          </a:bodyPr>
-          <a:lstStyle/>
-          <a:p>
-            <a:r>
-              <a:rPr lang="en-US" dirty="0">
-                <a:ln w="0"/>
-                <a:gradFill>
-                  <a:gsLst>
-                    <a:gs pos="21000">
-                      <a:srgbClr val="53575C"/>
-                    </a:gs>
-                    <a:gs pos="88000">
-                      <a:srgbClr val="C5C7CA"/>
-                    </a:gs>
-                  </a:gsLst>
-                  <a:lin ang="5400000"/>
-                </a:gradFill>
-              </a:rPr>
-              <a:t>Aggregation</a:t>
-            </a:r>
-          </a:p>
-        </p:txBody>
-      </p:sp>
-      <p:pic>
-        <p:nvPicPr>
-          <p:cNvPr id="9" name="Picture 8"/>
-          <p:cNvPicPr>
-            <a:picLocks noChangeAspect="1"/>
-          </p:cNvPicPr>
-          <p:nvPr/>
-        </p:nvPicPr>
-        <p:blipFill>
-          <a:blip r:embed="rId2"/>
-          <a:stretch>
-            <a:fillRect/>
-          </a:stretch>
-        </p:blipFill>
-        <p:spPr>
-          <a:xfrm>
-            <a:off x="6512333" y="1720721"/>
-            <a:ext cx="2118663" cy="2386406"/>
-          </a:xfrm>
-          <a:prstGeom prst="rect">
-            <a:avLst/>
-          </a:prstGeom>
-        </p:spPr>
-      </p:pic>
-      <p:pic>
-        <p:nvPicPr>
-          <p:cNvPr id="10" name="Picture 9"/>
-          <p:cNvPicPr>
-            <a:picLocks noChangeAspect="1"/>
-          </p:cNvPicPr>
-          <p:nvPr/>
-        </p:nvPicPr>
-        <p:blipFill>
-          <a:blip r:embed="rId3"/>
-          <a:stretch>
-            <a:fillRect/>
-          </a:stretch>
-        </p:blipFill>
-        <p:spPr>
-          <a:xfrm>
-            <a:off x="4114166" y="1765594"/>
-            <a:ext cx="1949355" cy="2341533"/>
-          </a:xfrm>
-          <a:prstGeom prst="rect">
-            <a:avLst/>
-          </a:prstGeom>
-        </p:spPr>
-      </p:pic>
-      <p:pic>
-        <p:nvPicPr>
-          <p:cNvPr id="3" name="Picture 2"/>
-          <p:cNvPicPr>
-            <a:picLocks noChangeAspect="1"/>
-          </p:cNvPicPr>
-          <p:nvPr/>
-        </p:nvPicPr>
-        <p:blipFill>
-          <a:blip r:embed="rId4"/>
-          <a:stretch>
-            <a:fillRect/>
-          </a:stretch>
-        </p:blipFill>
-        <p:spPr>
-          <a:xfrm>
-            <a:off x="295648" y="1765594"/>
-            <a:ext cx="3621545" cy="2154334"/>
-          </a:xfrm>
-          <a:prstGeom prst="rect">
-            <a:avLst/>
-          </a:prstGeom>
-        </p:spPr>
-      </p:pic>
-      <p:pic>
-        <p:nvPicPr>
-          <p:cNvPr id="4" name="Picture 3"/>
-          <p:cNvPicPr>
-            <a:picLocks noChangeAspect="1"/>
-          </p:cNvPicPr>
-          <p:nvPr/>
-        </p:nvPicPr>
-        <p:blipFill>
-          <a:blip r:embed="rId5"/>
-          <a:stretch>
-            <a:fillRect/>
-          </a:stretch>
-        </p:blipFill>
-        <p:spPr>
-          <a:xfrm>
-            <a:off x="406400" y="2352024"/>
-            <a:ext cx="946463" cy="666886"/>
-          </a:xfrm>
-          <a:prstGeom prst="rect">
-            <a:avLst/>
-          </a:prstGeom>
-        </p:spPr>
-      </p:pic>
+        </p:nvGrpSpPr>
+        <p:grpSpPr>
+          <a:xfrm>
+            <a:off x="2498724" y="1174167"/>
+            <a:ext cx="4165600" cy="3153677"/>
+            <a:chOff x="295648" y="1170809"/>
+            <a:chExt cx="3621545" cy="2749119"/>
+          </a:xfrm>
+        </p:grpSpPr>
+        <p:sp>
+          <p:nvSpPr>
+            <p:cNvPr id="5" name="TextBox 4"/>
+            <p:cNvSpPr txBox="1"/>
+            <p:nvPr/>
+          </p:nvSpPr>
+          <p:spPr>
+            <a:xfrm>
+              <a:off x="1443419" y="1170809"/>
+              <a:ext cx="1326004" cy="369332"/>
+            </a:xfrm>
+            <a:prstGeom prst="rect">
+              <a:avLst/>
+            </a:prstGeom>
+            <a:noFill/>
+          </p:spPr>
+          <p:txBody>
+            <a:bodyPr wrap="none" rtlCol="0">
+              <a:spAutoFit/>
+            </a:bodyPr>
+            <a:lstStyle/>
+            <a:p>
+              <a:r>
+                <a:rPr lang="en-US" dirty="0">
+                  <a:ln w="0"/>
+                  <a:gradFill>
+                    <a:gsLst>
+                      <a:gs pos="21000">
+                        <a:srgbClr val="53575C"/>
+                      </a:gs>
+                      <a:gs pos="88000">
+                        <a:srgbClr val="C5C7CA"/>
+                      </a:gs>
+                    </a:gsLst>
+                    <a:lin ang="5400000"/>
+                  </a:gradFill>
+                </a:rPr>
+                <a:t>Inheritance</a:t>
+              </a:r>
+            </a:p>
+          </p:txBody>
+        </p:sp>
+        <p:pic>
+          <p:nvPicPr>
+            <p:cNvPr id="3" name="Picture 2"/>
+            <p:cNvPicPr>
+              <a:picLocks noChangeAspect="1"/>
+            </p:cNvPicPr>
+            <p:nvPr/>
+          </p:nvPicPr>
+          <p:blipFill>
+            <a:blip r:embed="rId4"/>
+            <a:stretch>
+              <a:fillRect/>
+            </a:stretch>
+          </p:blipFill>
+          <p:spPr>
+            <a:xfrm>
+              <a:off x="295648" y="1765594"/>
+              <a:ext cx="3621545" cy="2154334"/>
+            </a:xfrm>
+            <a:prstGeom prst="rect">
+              <a:avLst/>
+            </a:prstGeom>
+          </p:spPr>
+        </p:pic>
+        <p:pic>
+          <p:nvPicPr>
+            <p:cNvPr id="4" name="Picture 3"/>
+            <p:cNvPicPr>
+              <a:picLocks noChangeAspect="1"/>
+            </p:cNvPicPr>
+            <p:nvPr/>
+          </p:nvPicPr>
+          <p:blipFill>
+            <a:blip r:embed="rId5"/>
+            <a:stretch>
+              <a:fillRect/>
+            </a:stretch>
+          </p:blipFill>
+          <p:spPr>
+            <a:xfrm>
+              <a:off x="406400" y="2352024"/>
+              <a:ext cx="946463" cy="666886"/>
+            </a:xfrm>
+            <a:prstGeom prst="rect">
+              <a:avLst/>
+            </a:prstGeom>
+          </p:spPr>
+        </p:pic>
+      </p:grpSp>
     </p:spTree>
     <p:extLst>
       <p:ext uri="{BB962C8B-B14F-4D97-AF65-F5344CB8AC3E}">
@@ -7808,6 +8368,283 @@
   <p:clrMapOvr>
     <a:masterClrMapping/>
   </p:clrMapOvr>
+  <p:timing>
+    <p:tnLst>
+      <p:par>
+        <p:cTn id="1" dur="indefinite" restart="never" nodeType="tmRoot">
+          <p:childTnLst>
+            <p:seq concurrent="1" nextAc="seek">
+              <p:cTn id="2" dur="indefinite" nodeType="mainSeq">
+                <p:childTnLst>
+                  <p:par>
+                    <p:cTn id="3" fill="hold">
+                      <p:stCondLst>
+                        <p:cond delay="indefinite"/>
+                      </p:stCondLst>
+                      <p:childTnLst>
+                        <p:par>
+                          <p:cTn id="4" fill="hold">
+                            <p:stCondLst>
+                              <p:cond delay="0"/>
+                            </p:stCondLst>
+                            <p:childTnLst>
+                              <p:par>
+                                <p:cTn id="5" presetID="10" presetClass="entr" presetSubtype="0" fill="hold" nodeType="clickEffect">
+                                  <p:stCondLst>
+                                    <p:cond delay="0"/>
+                                  </p:stCondLst>
+                                  <p:childTnLst>
+                                    <p:set>
+                                      <p:cBhvr>
+                                        <p:cTn id="6" dur="1" fill="hold">
+                                          <p:stCondLst>
+                                            <p:cond delay="0"/>
+                                          </p:stCondLst>
+                                        </p:cTn>
+                                        <p:tgtEl>
+                                          <p:spTgt spid="8"/>
+                                        </p:tgtEl>
+                                        <p:attrNameLst>
+                                          <p:attrName>style.visibility</p:attrName>
+                                        </p:attrNameLst>
+                                      </p:cBhvr>
+                                      <p:to>
+                                        <p:strVal val="visible"/>
+                                      </p:to>
+                                    </p:set>
+                                    <p:animEffect transition="in" filter="fade">
+                                      <p:cBhvr>
+                                        <p:cTn id="7" dur="500"/>
+                                        <p:tgtEl>
+                                          <p:spTgt spid="8"/>
+                                        </p:tgtEl>
+                                      </p:cBhvr>
+                                    </p:animEffect>
+                                  </p:childTnLst>
+                                </p:cTn>
+                              </p:par>
+                            </p:childTnLst>
+                          </p:cTn>
+                        </p:par>
+                      </p:childTnLst>
+                    </p:cTn>
+                  </p:par>
+                  <p:par>
+                    <p:cTn id="8" fill="hold">
+                      <p:stCondLst>
+                        <p:cond delay="indefinite"/>
+                      </p:stCondLst>
+                      <p:childTnLst>
+                        <p:par>
+                          <p:cTn id="9" fill="hold">
+                            <p:stCondLst>
+                              <p:cond delay="0"/>
+                            </p:stCondLst>
+                            <p:childTnLst>
+                              <p:par>
+                                <p:cTn id="10" presetID="10" presetClass="exit" presetSubtype="0" fill="hold" nodeType="clickEffect">
+                                  <p:stCondLst>
+                                    <p:cond delay="0"/>
+                                  </p:stCondLst>
+                                  <p:childTnLst>
+                                    <p:animEffect transition="out" filter="fade">
+                                      <p:cBhvr>
+                                        <p:cTn id="11" dur="500"/>
+                                        <p:tgtEl>
+                                          <p:spTgt spid="8"/>
+                                        </p:tgtEl>
+                                      </p:cBhvr>
+                                    </p:animEffect>
+                                    <p:set>
+                                      <p:cBhvr>
+                                        <p:cTn id="12" dur="1" fill="hold">
+                                          <p:stCondLst>
+                                            <p:cond delay="499"/>
+                                          </p:stCondLst>
+                                        </p:cTn>
+                                        <p:tgtEl>
+                                          <p:spTgt spid="8"/>
+                                        </p:tgtEl>
+                                        <p:attrNameLst>
+                                          <p:attrName>style.visibility</p:attrName>
+                                        </p:attrNameLst>
+                                      </p:cBhvr>
+                                      <p:to>
+                                        <p:strVal val="hidden"/>
+                                      </p:to>
+                                    </p:set>
+                                  </p:childTnLst>
+                                </p:cTn>
+                              </p:par>
+                            </p:childTnLst>
+                          </p:cTn>
+                        </p:par>
+                        <p:par>
+                          <p:cTn id="13" fill="hold">
+                            <p:stCondLst>
+                              <p:cond delay="500"/>
+                            </p:stCondLst>
+                            <p:childTnLst>
+                              <p:par>
+                                <p:cTn id="14" presetID="10" presetClass="entr" presetSubtype="0" fill="hold" nodeType="afterEffect">
+                                  <p:stCondLst>
+                                    <p:cond delay="0"/>
+                                  </p:stCondLst>
+                                  <p:childTnLst>
+                                    <p:set>
+                                      <p:cBhvr>
+                                        <p:cTn id="15" dur="1" fill="hold">
+                                          <p:stCondLst>
+                                            <p:cond delay="0"/>
+                                          </p:stCondLst>
+                                        </p:cTn>
+                                        <p:tgtEl>
+                                          <p:spTgt spid="11"/>
+                                        </p:tgtEl>
+                                        <p:attrNameLst>
+                                          <p:attrName>style.visibility</p:attrName>
+                                        </p:attrNameLst>
+                                      </p:cBhvr>
+                                      <p:to>
+                                        <p:strVal val="visible"/>
+                                      </p:to>
+                                    </p:set>
+                                    <p:animEffect transition="in" filter="fade">
+                                      <p:cBhvr>
+                                        <p:cTn id="16" dur="500"/>
+                                        <p:tgtEl>
+                                          <p:spTgt spid="11"/>
+                                        </p:tgtEl>
+                                      </p:cBhvr>
+                                    </p:animEffect>
+                                  </p:childTnLst>
+                                </p:cTn>
+                              </p:par>
+                            </p:childTnLst>
+                          </p:cTn>
+                        </p:par>
+                      </p:childTnLst>
+                    </p:cTn>
+                  </p:par>
+                  <p:par>
+                    <p:cTn id="17" fill="hold">
+                      <p:stCondLst>
+                        <p:cond delay="indefinite"/>
+                      </p:stCondLst>
+                      <p:childTnLst>
+                        <p:par>
+                          <p:cTn id="18" fill="hold">
+                            <p:stCondLst>
+                              <p:cond delay="0"/>
+                            </p:stCondLst>
+                            <p:childTnLst>
+                              <p:par>
+                                <p:cTn id="19" presetID="10" presetClass="exit" presetSubtype="0" fill="hold" nodeType="clickEffect">
+                                  <p:stCondLst>
+                                    <p:cond delay="0"/>
+                                  </p:stCondLst>
+                                  <p:childTnLst>
+                                    <p:animEffect transition="out" filter="fade">
+                                      <p:cBhvr>
+                                        <p:cTn id="20" dur="500"/>
+                                        <p:tgtEl>
+                                          <p:spTgt spid="11"/>
+                                        </p:tgtEl>
+                                      </p:cBhvr>
+                                    </p:animEffect>
+                                    <p:set>
+                                      <p:cBhvr>
+                                        <p:cTn id="21" dur="1" fill="hold">
+                                          <p:stCondLst>
+                                            <p:cond delay="499"/>
+                                          </p:stCondLst>
+                                        </p:cTn>
+                                        <p:tgtEl>
+                                          <p:spTgt spid="11"/>
+                                        </p:tgtEl>
+                                        <p:attrNameLst>
+                                          <p:attrName>style.visibility</p:attrName>
+                                        </p:attrNameLst>
+                                      </p:cBhvr>
+                                      <p:to>
+                                        <p:strVal val="hidden"/>
+                                      </p:to>
+                                    </p:set>
+                                  </p:childTnLst>
+                                </p:cTn>
+                              </p:par>
+                            </p:childTnLst>
+                          </p:cTn>
+                        </p:par>
+                        <p:par>
+                          <p:cTn id="22" fill="hold">
+                            <p:stCondLst>
+                              <p:cond delay="500"/>
+                            </p:stCondLst>
+                            <p:childTnLst>
+                              <p:par>
+                                <p:cTn id="23" presetID="10" presetClass="entr" presetSubtype="0" fill="hold" nodeType="afterEffect">
+                                  <p:stCondLst>
+                                    <p:cond delay="0"/>
+                                  </p:stCondLst>
+                                  <p:childTnLst>
+                                    <p:set>
+                                      <p:cBhvr>
+                                        <p:cTn id="24" dur="1" fill="hold">
+                                          <p:stCondLst>
+                                            <p:cond delay="0"/>
+                                          </p:stCondLst>
+                                        </p:cTn>
+                                        <p:tgtEl>
+                                          <p:spTgt spid="12"/>
+                                        </p:tgtEl>
+                                        <p:attrNameLst>
+                                          <p:attrName>style.visibility</p:attrName>
+                                        </p:attrNameLst>
+                                      </p:cBhvr>
+                                      <p:to>
+                                        <p:strVal val="visible"/>
+                                      </p:to>
+                                    </p:set>
+                                    <p:animEffect transition="in" filter="fade">
+                                      <p:cBhvr>
+                                        <p:cTn id="25" dur="500"/>
+                                        <p:tgtEl>
+                                          <p:spTgt spid="12"/>
+                                        </p:tgtEl>
+                                      </p:cBhvr>
+                                    </p:animEffect>
+                                  </p:childTnLst>
+                                </p:cTn>
+                              </p:par>
+                            </p:childTnLst>
+                          </p:cTn>
+                        </p:par>
+                      </p:childTnLst>
+                    </p:cTn>
+                  </p:par>
+                </p:childTnLst>
+              </p:cTn>
+              <p:prevCondLst>
+                <p:cond evt="onPrev" delay="0">
+                  <p:tgtEl>
+                    <p:sldTgt/>
+                  </p:tgtEl>
+                </p:cond>
+              </p:prevCondLst>
+              <p:nextCondLst>
+                <p:cond evt="onNext" delay="0">
+                  <p:tgtEl>
+                    <p:sldTgt/>
+                  </p:tgtEl>
+                </p:cond>
+              </p:nextCondLst>
+            </p:seq>
+          </p:childTnLst>
+        </p:cTn>
+      </p:par>
+    </p:tnLst>
+  </p:timing>
 </p:sld>
 </file>
 
@@ -7844,73 +8681,470 @@
           <a:lstStyle/>
           <a:p>
             <a:r>
-              <a:rPr lang="en-US" dirty="0"/>
-              <a:t>S.O.L.I.D.</a:t>
-            </a:r>
-          </a:p>
-        </p:txBody>
-      </p:sp>
-      <p:sp>
-        <p:nvSpPr>
-          <p:cNvPr id="3" name="Text Placeholder 2"/>
-          <p:cNvSpPr>
-            <a:spLocks noGrp="1"/>
-          </p:cNvSpPr>
-          <p:nvPr>
-            <p:ph type="body" sz="quarter" idx="10"/>
-          </p:nvPr>
-        </p:nvSpPr>
-        <p:spPr/>
-        <p:txBody>
-          <a:bodyPr/>
-          <a:lstStyle/>
-          <a:p>
-            <a:r>
-              <a:rPr lang="en-US" dirty="0"/>
-              <a:t>Single Responsibility principle (SRP)</a:t>
-            </a:r>
-          </a:p>
-          <a:p>
-            <a:r>
-              <a:rPr lang="en-US" dirty="0"/>
-              <a:t>Open/closed principle (OCP)</a:t>
-            </a:r>
-          </a:p>
-          <a:p>
-            <a:r>
-              <a:rPr lang="en-US" dirty="0"/>
-              <a:t>Liskov substitution principle (LSP)</a:t>
-            </a:r>
-          </a:p>
-          <a:p>
-            <a:r>
-              <a:rPr lang="en-US" dirty="0"/>
-              <a:t>Interface segregation principle (ISP)</a:t>
-            </a:r>
-          </a:p>
-          <a:p>
-            <a:r>
-              <a:rPr lang="en-US" dirty="0"/>
-              <a:t>Dependency inversion principle (DIP)</a:t>
-            </a:r>
-          </a:p>
-        </p:txBody>
-      </p:sp>
+              <a:rPr lang="en-US" b="1" u="sng" dirty="0"/>
+              <a:t>U</a:t>
+            </a:r>
+            <a:r>
+              <a:rPr lang="en-US" dirty="0"/>
+              <a:t>nified </a:t>
+            </a:r>
+            <a:r>
+              <a:rPr lang="en-US" b="1" u="sng" dirty="0"/>
+              <a:t>M</a:t>
+            </a:r>
+            <a:r>
+              <a:rPr lang="en-US" dirty="0"/>
+              <a:t>odeling </a:t>
+            </a:r>
+            <a:r>
+              <a:rPr lang="en-US" b="1" u="sng" dirty="0"/>
+              <a:t>L</a:t>
+            </a:r>
+            <a:r>
+              <a:rPr lang="en-US" dirty="0"/>
+              <a:t>anguage in (very)nutshell</a:t>
+            </a:r>
+          </a:p>
+        </p:txBody>
+      </p:sp>
+      <p:grpSp>
+        <p:nvGrpSpPr>
+          <p:cNvPr id="12" name="Group 11"/>
+          <p:cNvGrpSpPr/>
+          <p:nvPr/>
+        </p:nvGrpSpPr>
+        <p:grpSpPr>
+          <a:xfrm>
+            <a:off x="6164318" y="1140849"/>
+            <a:ext cx="2372710" cy="2808413"/>
+            <a:chOff x="6512333" y="1164890"/>
+            <a:chExt cx="2118663" cy="2942237"/>
+          </a:xfrm>
+        </p:grpSpPr>
+        <p:sp>
+          <p:nvSpPr>
+            <p:cNvPr id="7" name="TextBox 6"/>
+            <p:cNvSpPr txBox="1"/>
+            <p:nvPr/>
+          </p:nvSpPr>
+          <p:spPr>
+            <a:xfrm>
+              <a:off x="6857367" y="1164890"/>
+              <a:ext cx="1428596" cy="369332"/>
+            </a:xfrm>
+            <a:prstGeom prst="rect">
+              <a:avLst/>
+            </a:prstGeom>
+            <a:noFill/>
+          </p:spPr>
+          <p:txBody>
+            <a:bodyPr wrap="none" rtlCol="0">
+              <a:spAutoFit/>
+            </a:bodyPr>
+            <a:lstStyle/>
+            <a:p>
+              <a:r>
+                <a:rPr lang="en-US" dirty="0">
+                  <a:ln w="0"/>
+                  <a:gradFill>
+                    <a:gsLst>
+                      <a:gs pos="21000">
+                        <a:srgbClr val="53575C"/>
+                      </a:gs>
+                      <a:gs pos="88000">
+                        <a:srgbClr val="C5C7CA"/>
+                      </a:gs>
+                    </a:gsLst>
+                    <a:lin ang="5400000"/>
+                  </a:gradFill>
+                </a:rPr>
+                <a:t>Aggregation</a:t>
+              </a:r>
+            </a:p>
+          </p:txBody>
+        </p:sp>
+        <p:pic>
+          <p:nvPicPr>
+            <p:cNvPr id="9" name="Picture 8"/>
+            <p:cNvPicPr>
+              <a:picLocks noChangeAspect="1"/>
+            </p:cNvPicPr>
+            <p:nvPr/>
+          </p:nvPicPr>
+          <p:blipFill>
+            <a:blip r:embed="rId2"/>
+            <a:stretch>
+              <a:fillRect/>
+            </a:stretch>
+          </p:blipFill>
+          <p:spPr>
+            <a:xfrm>
+              <a:off x="6512333" y="1720721"/>
+              <a:ext cx="2118663" cy="2386406"/>
+            </a:xfrm>
+            <a:prstGeom prst="rect">
+              <a:avLst/>
+            </a:prstGeom>
+          </p:spPr>
+        </p:pic>
+      </p:grpSp>
+      <p:grpSp>
+        <p:nvGrpSpPr>
+          <p:cNvPr id="11" name="Group 10"/>
+          <p:cNvGrpSpPr/>
+          <p:nvPr/>
+        </p:nvGrpSpPr>
+        <p:grpSpPr>
+          <a:xfrm>
+            <a:off x="3772992" y="1196571"/>
+            <a:ext cx="2162726" cy="2752691"/>
+            <a:chOff x="4114166" y="1164890"/>
+            <a:chExt cx="1949355" cy="2942237"/>
+          </a:xfrm>
+        </p:grpSpPr>
+        <p:sp>
+          <p:nvSpPr>
+            <p:cNvPr id="6" name="TextBox 5"/>
+            <p:cNvSpPr txBox="1"/>
+            <p:nvPr/>
+          </p:nvSpPr>
+          <p:spPr>
+            <a:xfrm>
+              <a:off x="4241583" y="1164890"/>
+              <a:ext cx="1467068" cy="369332"/>
+            </a:xfrm>
+            <a:prstGeom prst="rect">
+              <a:avLst/>
+            </a:prstGeom>
+            <a:noFill/>
+          </p:spPr>
+          <p:txBody>
+            <a:bodyPr wrap="none" rtlCol="0">
+              <a:spAutoFit/>
+            </a:bodyPr>
+            <a:lstStyle/>
+            <a:p>
+              <a:r>
+                <a:rPr lang="en-US" dirty="0">
+                  <a:ln w="0"/>
+                  <a:gradFill>
+                    <a:gsLst>
+                      <a:gs pos="21000">
+                        <a:srgbClr val="53575C"/>
+                      </a:gs>
+                      <a:gs pos="88000">
+                        <a:srgbClr val="C5C7CA"/>
+                      </a:gs>
+                    </a:gsLst>
+                    <a:lin ang="5400000"/>
+                  </a:gradFill>
+                </a:rPr>
+                <a:t>Composition</a:t>
+              </a:r>
+            </a:p>
+          </p:txBody>
+        </p:sp>
+        <p:pic>
+          <p:nvPicPr>
+            <p:cNvPr id="10" name="Picture 9"/>
+            <p:cNvPicPr>
+              <a:picLocks noChangeAspect="1"/>
+            </p:cNvPicPr>
+            <p:nvPr/>
+          </p:nvPicPr>
+          <p:blipFill>
+            <a:blip r:embed="rId3"/>
+            <a:stretch>
+              <a:fillRect/>
+            </a:stretch>
+          </p:blipFill>
+          <p:spPr>
+            <a:xfrm>
+              <a:off x="4114166" y="1765594"/>
+              <a:ext cx="1949355" cy="2341533"/>
+            </a:xfrm>
+            <a:prstGeom prst="rect">
+              <a:avLst/>
+            </a:prstGeom>
+          </p:spPr>
+        </p:pic>
+      </p:grpSp>
+      <p:grpSp>
+        <p:nvGrpSpPr>
+          <p:cNvPr id="8" name="Group 7"/>
+          <p:cNvGrpSpPr/>
+          <p:nvPr/>
+        </p:nvGrpSpPr>
+        <p:grpSpPr>
+          <a:xfrm>
+            <a:off x="492997" y="1196571"/>
+            <a:ext cx="2849294" cy="2752691"/>
+            <a:chOff x="295648" y="1170809"/>
+            <a:chExt cx="3621545" cy="2749119"/>
+          </a:xfrm>
+        </p:grpSpPr>
+        <p:sp>
+          <p:nvSpPr>
+            <p:cNvPr id="5" name="TextBox 4"/>
+            <p:cNvSpPr txBox="1"/>
+            <p:nvPr/>
+          </p:nvSpPr>
+          <p:spPr>
+            <a:xfrm>
+              <a:off x="1443419" y="1170809"/>
+              <a:ext cx="1326004" cy="369332"/>
+            </a:xfrm>
+            <a:prstGeom prst="rect">
+              <a:avLst/>
+            </a:prstGeom>
+            <a:noFill/>
+          </p:spPr>
+          <p:txBody>
+            <a:bodyPr wrap="none" rtlCol="0">
+              <a:spAutoFit/>
+            </a:bodyPr>
+            <a:lstStyle/>
+            <a:p>
+              <a:r>
+                <a:rPr lang="en-US" dirty="0">
+                  <a:ln w="0"/>
+                  <a:gradFill>
+                    <a:gsLst>
+                      <a:gs pos="21000">
+                        <a:srgbClr val="53575C"/>
+                      </a:gs>
+                      <a:gs pos="88000">
+                        <a:srgbClr val="C5C7CA"/>
+                      </a:gs>
+                    </a:gsLst>
+                    <a:lin ang="5400000"/>
+                  </a:gradFill>
+                </a:rPr>
+                <a:t>Inheritance</a:t>
+              </a:r>
+            </a:p>
+          </p:txBody>
+        </p:sp>
+        <p:pic>
+          <p:nvPicPr>
+            <p:cNvPr id="3" name="Picture 2"/>
+            <p:cNvPicPr>
+              <a:picLocks noChangeAspect="1"/>
+            </p:cNvPicPr>
+            <p:nvPr/>
+          </p:nvPicPr>
+          <p:blipFill>
+            <a:blip r:embed="rId4"/>
+            <a:stretch>
+              <a:fillRect/>
+            </a:stretch>
+          </p:blipFill>
+          <p:spPr>
+            <a:xfrm>
+              <a:off x="295648" y="1765594"/>
+              <a:ext cx="3621545" cy="2154334"/>
+            </a:xfrm>
+            <a:prstGeom prst="rect">
+              <a:avLst/>
+            </a:prstGeom>
+          </p:spPr>
+        </p:pic>
+        <p:pic>
+          <p:nvPicPr>
+            <p:cNvPr id="4" name="Picture 3"/>
+            <p:cNvPicPr>
+              <a:picLocks noChangeAspect="1"/>
+            </p:cNvPicPr>
+            <p:nvPr/>
+          </p:nvPicPr>
+          <p:blipFill>
+            <a:blip r:embed="rId5"/>
+            <a:stretch>
+              <a:fillRect/>
+            </a:stretch>
+          </p:blipFill>
+          <p:spPr>
+            <a:xfrm>
+              <a:off x="406400" y="2352024"/>
+              <a:ext cx="946463" cy="666886"/>
+            </a:xfrm>
+            <a:prstGeom prst="rect">
+              <a:avLst/>
+            </a:prstGeom>
+          </p:spPr>
+        </p:pic>
+      </p:grpSp>
     </p:spTree>
     <p:extLst>
       <p:ext uri="{BB962C8B-B14F-4D97-AF65-F5344CB8AC3E}">
-        <p14:creationId xmlns:p14="http://schemas.microsoft.com/office/powerpoint/2010/main" val="3232780416"/>
+        <p14:creationId xmlns:p14="http://schemas.microsoft.com/office/powerpoint/2010/main" val="1588896828"/>
       </p:ext>
     </p:extLst>
   </p:cSld>
   <p:clrMapOvr>
     <a:masterClrMapping/>
   </p:clrMapOvr>
+  <p:timing>
+    <p:tnLst>
+      <p:par>
+        <p:cTn id="1" dur="indefinite" restart="never" nodeType="tmRoot">
+          <p:childTnLst>
+            <p:seq concurrent="1" nextAc="seek">
+              <p:cTn id="2" dur="indefinite" nodeType="mainSeq">
+                <p:childTnLst>
+                  <p:par>
+                    <p:cTn id="3" fill="hold">
+                      <p:stCondLst>
+                        <p:cond delay="indefinite"/>
+                        <p:cond evt="onBegin" delay="0">
+                          <p:tn val="2"/>
+                        </p:cond>
+                      </p:stCondLst>
+                      <p:childTnLst>
+                        <p:par>
+                          <p:cTn id="4" fill="hold">
+                            <p:stCondLst>
+                              <p:cond delay="0"/>
+                            </p:stCondLst>
+                            <p:childTnLst>
+                              <p:par>
+                                <p:cTn id="5" presetID="10" presetClass="entr" presetSubtype="0" fill="hold" nodeType="withEffect">
+                                  <p:stCondLst>
+                                    <p:cond delay="0"/>
+                                  </p:stCondLst>
+                                  <p:childTnLst>
+                                    <p:set>
+                                      <p:cBhvr>
+                                        <p:cTn id="6" dur="1" fill="hold">
+                                          <p:stCondLst>
+                                            <p:cond delay="0"/>
+                                          </p:stCondLst>
+                                        </p:cTn>
+                                        <p:tgtEl>
+                                          <p:spTgt spid="12"/>
+                                        </p:tgtEl>
+                                        <p:attrNameLst>
+                                          <p:attrName>style.visibility</p:attrName>
+                                        </p:attrNameLst>
+                                      </p:cBhvr>
+                                      <p:to>
+                                        <p:strVal val="visible"/>
+                                      </p:to>
+                                    </p:set>
+                                    <p:animEffect transition="in" filter="fade">
+                                      <p:cBhvr>
+                                        <p:cTn id="7" dur="500"/>
+                                        <p:tgtEl>
+                                          <p:spTgt spid="12"/>
+                                        </p:tgtEl>
+                                      </p:cBhvr>
+                                    </p:animEffect>
+                                  </p:childTnLst>
+                                </p:cTn>
+                              </p:par>
+                              <p:par>
+                                <p:cTn id="8" presetID="10" presetClass="entr" presetSubtype="0" fill="hold" nodeType="withEffect">
+                                  <p:stCondLst>
+                                    <p:cond delay="0"/>
+                                  </p:stCondLst>
+                                  <p:childTnLst>
+                                    <p:set>
+                                      <p:cBhvr>
+                                        <p:cTn id="9" dur="1" fill="hold">
+                                          <p:stCondLst>
+                                            <p:cond delay="0"/>
+                                          </p:stCondLst>
+                                        </p:cTn>
+                                        <p:tgtEl>
+                                          <p:spTgt spid="11"/>
+                                        </p:tgtEl>
+                                        <p:attrNameLst>
+                                          <p:attrName>style.visibility</p:attrName>
+                                        </p:attrNameLst>
+                                      </p:cBhvr>
+                                      <p:to>
+                                        <p:strVal val="visible"/>
+                                      </p:to>
+                                    </p:set>
+                                    <p:animEffect transition="in" filter="fade">
+                                      <p:cBhvr>
+                                        <p:cTn id="10" dur="500"/>
+                                        <p:tgtEl>
+                                          <p:spTgt spid="11"/>
+                                        </p:tgtEl>
+                                      </p:cBhvr>
+                                    </p:animEffect>
+                                  </p:childTnLst>
+                                </p:cTn>
+                              </p:par>
+                              <p:par>
+                                <p:cTn id="11" presetID="10" presetClass="entr" presetSubtype="0" fill="hold" nodeType="withEffect">
+                                  <p:stCondLst>
+                                    <p:cond delay="0"/>
+                                  </p:stCondLst>
+                                  <p:childTnLst>
+                                    <p:set>
+                                      <p:cBhvr>
+                                        <p:cTn id="12" dur="1" fill="hold">
+                                          <p:stCondLst>
+                                            <p:cond delay="0"/>
+                                          </p:stCondLst>
+                                        </p:cTn>
+                                        <p:tgtEl>
+                                          <p:spTgt spid="8"/>
+                                        </p:tgtEl>
+                                        <p:attrNameLst>
+                                          <p:attrName>style.visibility</p:attrName>
+                                        </p:attrNameLst>
+                                      </p:cBhvr>
+                                      <p:to>
+                                        <p:strVal val="visible"/>
+                                      </p:to>
+                                    </p:set>
+                                    <p:animEffect transition="in" filter="fade">
+                                      <p:cBhvr>
+                                        <p:cTn id="13" dur="500"/>
+                                        <p:tgtEl>
+                                          <p:spTgt spid="8"/>
+                                        </p:tgtEl>
+                                      </p:cBhvr>
+                                    </p:animEffect>
+                                  </p:childTnLst>
+                                </p:cTn>
+                              </p:par>
+                            </p:childTnLst>
+                          </p:cTn>
+                        </p:par>
+                      </p:childTnLst>
+                    </p:cTn>
+                  </p:par>
+                </p:childTnLst>
+              </p:cTn>
+              <p:prevCondLst>
+                <p:cond evt="onPrev" delay="0">
+                  <p:tgtEl>
+                    <p:sldTgt/>
+                  </p:tgtEl>
+                </p:cond>
+              </p:prevCondLst>
+              <p:nextCondLst>
+                <p:cond evt="onNext" delay="0">
+                  <p:tgtEl>
+                    <p:sldTgt/>
+                  </p:tgtEl>
+                </p:cond>
+              </p:nextCondLst>
+            </p:seq>
+          </p:childTnLst>
+        </p:cTn>
+      </p:par>
+    </p:tnLst>
+  </p:timing>
 </p:sld>
 </file>
 
 <file path=ppt/slides/slide5.xml><?xml version="1.0" encoding="utf-8"?>
-<p:sld xmlns:a="http://schemas.openxmlformats.org/drawingml/2006/main" xmlns:r="http://schemas.openxmlformats.org/officeDocument/2006/relationships" xmlns:p="http://schemas.openxmlformats.org/presentationml/2006/main">
+<p:sld xmlns:a="http://schemas.openxmlformats.org/drawingml/2006/main" xmlns:r="http://schemas.openxmlformats.org/officeDocument/2006/relationships" xmlns:p="http://schemas.openxmlformats.org/presentationml/2006/main" show="0">
   <p:cSld>
     <p:spTree>
       <p:nvGrpSpPr>
@@ -7943,7 +9177,7 @@
           <a:p>
             <a:r>
               <a:rPr lang="en-US" dirty="0"/>
-              <a:t>Design patterns types</a:t>
+              <a:t>S.O.L.I.D.</a:t>
             </a:r>
           </a:p>
         </p:txBody>
@@ -7958,53 +9192,46 @@
             <p:ph type="body" sz="quarter" idx="10"/>
           </p:nvPr>
         </p:nvSpPr>
-        <p:spPr>
-          <a:xfrm>
-            <a:off x="303628" y="945356"/>
-            <a:ext cx="8382000" cy="3378551"/>
-          </a:xfrm>
-        </p:spPr>
+        <p:spPr/>
         <p:txBody>
           <a:bodyPr/>
           <a:lstStyle/>
           <a:p>
             <a:r>
               <a:rPr lang="en-US" dirty="0"/>
-              <a:t>Creational – designed to abstract instantiation process. </a:t>
-            </a:r>
-            <a:br>
-              <a:rPr lang="en-US" dirty="0"/>
-            </a:br>
-            <a:endParaRPr lang="en-US" dirty="0"/>
-          </a:p>
-          <a:p>
-            <a:r>
-              <a:rPr lang="en-US" dirty="0"/>
-              <a:t>Structural – concerned with how two or more objects are composed into a bigger object.</a:t>
-            </a:r>
-            <a:br>
-              <a:rPr lang="en-US" dirty="0"/>
-            </a:br>
-            <a:endParaRPr lang="en-US" dirty="0"/>
-          </a:p>
-          <a:p>
-            <a:r>
-              <a:rPr lang="en-US" dirty="0"/>
-              <a:t>Behavioral – concerned with algorithms and assigning responsibility between objects.</a:t>
-            </a:r>
-          </a:p>
-          <a:p>
-            <a:pPr marL="0" indent="0">
-              <a:buNone/>
-            </a:pPr>
-            <a:endParaRPr lang="en-US" dirty="0"/>
+              <a:t>Single Responsibility principle (SRP)</a:t>
+            </a:r>
+          </a:p>
+          <a:p>
+            <a:r>
+              <a:rPr lang="en-US" dirty="0"/>
+              <a:t>Open/closed principle (OCP)</a:t>
+            </a:r>
+          </a:p>
+          <a:p>
+            <a:r>
+              <a:rPr lang="en-US" dirty="0"/>
+              <a:t>Liskov substitution principle (LSP)</a:t>
+            </a:r>
+          </a:p>
+          <a:p>
+            <a:r>
+              <a:rPr lang="en-US" dirty="0"/>
+              <a:t>Interface segregation principle (ISP)</a:t>
+            </a:r>
+          </a:p>
+          <a:p>
+            <a:r>
+              <a:rPr lang="en-US" dirty="0"/>
+              <a:t>Dependency inversion principle (DIP)</a:t>
+            </a:r>
           </a:p>
         </p:txBody>
       </p:sp>
     </p:spTree>
     <p:extLst>
       <p:ext uri="{BB962C8B-B14F-4D97-AF65-F5344CB8AC3E}">
-        <p14:creationId xmlns:p14="http://schemas.microsoft.com/office/powerpoint/2010/main" val="3202665870"/>
+        <p14:creationId xmlns:p14="http://schemas.microsoft.com/office/powerpoint/2010/main" val="3232780416"/>
       </p:ext>
     </p:extLst>
   </p:cSld>
@@ -8048,7 +9275,7 @@
           <a:p>
             <a:r>
               <a:rPr lang="en-US" dirty="0"/>
-              <a:t>Singleton (creational)</a:t>
+              <a:t>3 Design patterns types</a:t>
             </a:r>
           </a:p>
         </p:txBody>
@@ -8065,8 +9292,8 @@
         </p:nvSpPr>
         <p:spPr>
           <a:xfrm>
-            <a:off x="381000" y="1047750"/>
-            <a:ext cx="8382000" cy="731431"/>
+            <a:off x="303628" y="945356"/>
+            <a:ext cx="8382000" cy="3378551"/>
           </a:xfrm>
         </p:spPr>
         <p:txBody>
@@ -8074,126 +9301,42 @@
           <a:lstStyle/>
           <a:p>
             <a:r>
-              <a:rPr lang="en-US" sz="1800" dirty="0"/>
-              <a:t>Forces a developer to use only ONE instance of an object for current application life span.</a:t>
+              <a:rPr lang="en-US" dirty="0"/>
+              <a:t>Creational – designed to abstract instantiation process. </a:t>
             </a:r>
             <a:br>
-              <a:rPr lang="en-US" sz="1800" dirty="0"/>
+              <a:rPr lang="en-US" dirty="0"/>
             </a:br>
-            <a:endParaRPr lang="en-US" sz="1800" dirty="0"/>
-          </a:p>
-        </p:txBody>
-      </p:sp>
-      <p:pic>
-        <p:nvPicPr>
-          <p:cNvPr id="4" name="Picture 3"/>
-          <p:cNvPicPr>
-            <a:picLocks noChangeAspect="1"/>
-          </p:cNvPicPr>
-          <p:nvPr/>
-        </p:nvPicPr>
-        <p:blipFill>
-          <a:blip r:embed="rId2"/>
-          <a:stretch>
-            <a:fillRect/>
-          </a:stretch>
-        </p:blipFill>
-        <p:spPr>
-          <a:xfrm>
-            <a:off x="406400" y="2437579"/>
-            <a:ext cx="4602125" cy="1798215"/>
-          </a:xfrm>
-          <a:prstGeom prst="rect">
-            <a:avLst/>
-          </a:prstGeom>
-        </p:spPr>
-      </p:pic>
-      <p:sp>
-        <p:nvSpPr>
-          <p:cNvPr id="5" name="TextBox 4"/>
-          <p:cNvSpPr txBox="1"/>
-          <p:nvPr/>
-        </p:nvSpPr>
-        <p:spPr>
-          <a:xfrm>
-            <a:off x="1661884" y="1881575"/>
-            <a:ext cx="851515" cy="369332"/>
-          </a:xfrm>
-          <a:prstGeom prst="rect">
-            <a:avLst/>
-          </a:prstGeom>
-          <a:noFill/>
-        </p:spPr>
-        <p:txBody>
-          <a:bodyPr wrap="none" rtlCol="0">
-            <a:spAutoFit/>
-          </a:bodyPr>
-          <a:lstStyle/>
-          <a:p>
-            <a:r>
-              <a:rPr lang="en-US" dirty="0"/>
-              <a:t>Define</a:t>
-            </a:r>
-          </a:p>
-        </p:txBody>
-      </p:sp>
-      <p:sp>
-        <p:nvSpPr>
-          <p:cNvPr id="7" name="TextBox 6"/>
-          <p:cNvSpPr txBox="1"/>
-          <p:nvPr/>
-        </p:nvSpPr>
-        <p:spPr>
-          <a:xfrm>
-            <a:off x="6828739" y="1779181"/>
-            <a:ext cx="671979" cy="369332"/>
-          </a:xfrm>
-          <a:prstGeom prst="rect">
-            <a:avLst/>
-          </a:prstGeom>
-          <a:noFill/>
-        </p:spPr>
-        <p:txBody>
-          <a:bodyPr wrap="none" rtlCol="0">
-            <a:spAutoFit/>
-          </a:bodyPr>
-          <a:lstStyle/>
-          <a:p>
-            <a:r>
-              <a:rPr lang="en-US" dirty="0"/>
-              <a:t>UML</a:t>
-            </a:r>
-          </a:p>
-        </p:txBody>
-      </p:sp>
-      <p:pic>
-        <p:nvPicPr>
-          <p:cNvPr id="8" name="Picture 7"/>
-          <p:cNvPicPr>
-            <a:picLocks noChangeAspect="1"/>
-          </p:cNvPicPr>
-          <p:nvPr/>
-        </p:nvPicPr>
-        <p:blipFill>
-          <a:blip r:embed="rId3"/>
-          <a:stretch>
-            <a:fillRect/>
-          </a:stretch>
-        </p:blipFill>
-        <p:spPr>
-          <a:xfrm>
-            <a:off x="6291243" y="2148513"/>
-            <a:ext cx="1881604" cy="2317161"/>
-          </a:xfrm>
-          <a:prstGeom prst="rect">
-            <a:avLst/>
-          </a:prstGeom>
-        </p:spPr>
-      </p:pic>
+            <a:endParaRPr lang="en-US" dirty="0"/>
+          </a:p>
+          <a:p>
+            <a:r>
+              <a:rPr lang="en-US" dirty="0"/>
+              <a:t>Structural – concerned with how two or more objects are composed into a bigger object.</a:t>
+            </a:r>
+            <a:br>
+              <a:rPr lang="en-US" dirty="0"/>
+            </a:br>
+            <a:endParaRPr lang="en-US" dirty="0"/>
+          </a:p>
+          <a:p>
+            <a:r>
+              <a:rPr lang="en-US" dirty="0"/>
+              <a:t>Behavioral – dealing with algorithms and assigning responsibility between objects.</a:t>
+            </a:r>
+          </a:p>
+          <a:p>
+            <a:pPr marL="0" indent="0">
+              <a:buNone/>
+            </a:pPr>
+            <a:endParaRPr lang="en-US" dirty="0"/>
+          </a:p>
+        </p:txBody>
+      </p:sp>
     </p:spTree>
     <p:extLst>
       <p:ext uri="{BB962C8B-B14F-4D97-AF65-F5344CB8AC3E}">
-        <p14:creationId xmlns:p14="http://schemas.microsoft.com/office/powerpoint/2010/main" val="100311975"/>
+        <p14:creationId xmlns:p14="http://schemas.microsoft.com/office/powerpoint/2010/main" val="3202665870"/>
       </p:ext>
     </p:extLst>
   </p:cSld>
@@ -8237,7 +9380,7 @@
           <a:p>
             <a:r>
               <a:rPr lang="en-US" dirty="0"/>
-              <a:t>Factory (creational)</a:t>
+              <a:t>Singleton (creational)</a:t>
             </a:r>
           </a:p>
         </p:txBody>
@@ -8255,7 +9398,7 @@
         <p:spPr>
           <a:xfrm>
             <a:off x="381000" y="1047750"/>
-            <a:ext cx="8382000" cy="610929"/>
+            <a:ext cx="8382000" cy="731431"/>
           </a:xfrm>
         </p:spPr>
         <p:txBody>
@@ -8264,14 +9407,18 @@
           <a:p>
             <a:r>
               <a:rPr lang="en-US" sz="1800" dirty="0"/>
-              <a:t>Object which acts as creator of other objects implementing same interface</a:t>
-            </a:r>
+              <a:t>Forces a developer to use only ONE instance of an object for current application life span.</a:t>
+            </a:r>
+            <a:br>
+              <a:rPr lang="en-US" sz="1800" dirty="0"/>
+            </a:br>
+            <a:endParaRPr lang="en-US" sz="1800" dirty="0"/>
           </a:p>
         </p:txBody>
       </p:sp>
       <p:pic>
         <p:nvPicPr>
-          <p:cNvPr id="6" name="Picture 5"/>
+          <p:cNvPr id="4" name="Picture 3"/>
           <p:cNvPicPr>
             <a:picLocks noChangeAspect="1"/>
           </p:cNvPicPr>
@@ -8285,17 +9432,75 @@
         </p:blipFill>
         <p:spPr>
           <a:xfrm>
-            <a:off x="4118810" y="2101969"/>
-            <a:ext cx="4524120" cy="1233484"/>
+            <a:off x="406400" y="2437579"/>
+            <a:ext cx="4602125" cy="1798215"/>
           </a:xfrm>
           <a:prstGeom prst="rect">
             <a:avLst/>
           </a:prstGeom>
         </p:spPr>
       </p:pic>
+      <p:sp>
+        <p:nvSpPr>
+          <p:cNvPr id="5" name="TextBox 4"/>
+          <p:cNvSpPr txBox="1"/>
+          <p:nvPr/>
+        </p:nvSpPr>
+        <p:spPr>
+          <a:xfrm>
+            <a:off x="1661884" y="1881575"/>
+            <a:ext cx="851515" cy="369332"/>
+          </a:xfrm>
+          <a:prstGeom prst="rect">
+            <a:avLst/>
+          </a:prstGeom>
+          <a:noFill/>
+        </p:spPr>
+        <p:txBody>
+          <a:bodyPr wrap="none" rtlCol="0">
+            <a:spAutoFit/>
+          </a:bodyPr>
+          <a:lstStyle/>
+          <a:p>
+            <a:r>
+              <a:rPr lang="en-US" dirty="0"/>
+              <a:t>Define</a:t>
+            </a:r>
+          </a:p>
+        </p:txBody>
+      </p:sp>
+      <p:sp>
+        <p:nvSpPr>
+          <p:cNvPr id="7" name="TextBox 6"/>
+          <p:cNvSpPr txBox="1"/>
+          <p:nvPr/>
+        </p:nvSpPr>
+        <p:spPr>
+          <a:xfrm>
+            <a:off x="6828739" y="1779181"/>
+            <a:ext cx="671979" cy="369332"/>
+          </a:xfrm>
+          <a:prstGeom prst="rect">
+            <a:avLst/>
+          </a:prstGeom>
+          <a:noFill/>
+        </p:spPr>
+        <p:txBody>
+          <a:bodyPr wrap="none" rtlCol="0">
+            <a:spAutoFit/>
+          </a:bodyPr>
+          <a:lstStyle/>
+          <a:p>
+            <a:r>
+              <a:rPr lang="en-US" dirty="0"/>
+              <a:t>UML</a:t>
+            </a:r>
+          </a:p>
+        </p:txBody>
+      </p:sp>
       <p:pic>
         <p:nvPicPr>
-          <p:cNvPr id="7" name="Picture 6"/>
+          <p:cNvPr id="8" name="Picture 7"/>
           <p:cNvPicPr>
             <a:picLocks noChangeAspect="1"/>
           </p:cNvPicPr>
@@ -8309,8 +9514,8 @@
         </p:blipFill>
         <p:spPr>
           <a:xfrm>
-            <a:off x="463550" y="1446074"/>
-            <a:ext cx="3267394" cy="3024326"/>
+            <a:off x="6291243" y="2148513"/>
+            <a:ext cx="1881604" cy="2317161"/>
           </a:xfrm>
           <a:prstGeom prst="rect">
             <a:avLst/>
@@ -8320,7 +9525,7 @@
     </p:spTree>
     <p:extLst>
       <p:ext uri="{BB962C8B-B14F-4D97-AF65-F5344CB8AC3E}">
-        <p14:creationId xmlns:p14="http://schemas.microsoft.com/office/powerpoint/2010/main" val="2303769549"/>
+        <p14:creationId xmlns:p14="http://schemas.microsoft.com/office/powerpoint/2010/main" val="100311975"/>
       </p:ext>
     </p:extLst>
   </p:cSld>
@@ -8364,7 +9569,7 @@
           <a:p>
             <a:r>
               <a:rPr lang="en-US" dirty="0"/>
-              <a:t>Bridge (structural)</a:t>
+              <a:t>Factory (creational)</a:t>
             </a:r>
           </a:p>
         </p:txBody>
@@ -8379,27 +9584,26 @@
             <p:ph type="body" sz="quarter" idx="10"/>
           </p:nvPr>
         </p:nvSpPr>
-        <p:spPr/>
+        <p:spPr>
+          <a:xfrm>
+            <a:off x="381000" y="1047750"/>
+            <a:ext cx="8382000" cy="610929"/>
+          </a:xfrm>
+        </p:spPr>
         <p:txBody>
           <a:bodyPr/>
           <a:lstStyle/>
           <a:p>
             <a:r>
-              <a:rPr lang="en-US" dirty="0"/>
-              <a:t>Enables use of different APIs by same type of object</a:t>
-            </a:r>
-          </a:p>
-          <a:p>
-            <a:r>
-              <a:rPr lang="en-US" dirty="0"/>
-              <a:t>Works like “API injector”</a:t>
+              <a:rPr lang="en-US" sz="1800" dirty="0"/>
+              <a:t>Object which acts as creator of other objects implementing same interface</a:t>
             </a:r>
           </a:p>
         </p:txBody>
       </p:sp>
       <p:pic>
         <p:nvPicPr>
-          <p:cNvPr id="4" name="Picture 3"/>
+          <p:cNvPr id="6" name="Picture 5"/>
           <p:cNvPicPr>
             <a:picLocks noChangeAspect="1"/>
           </p:cNvPicPr>
@@ -8413,8 +9617,32 @@
         </p:blipFill>
         <p:spPr>
           <a:xfrm>
-            <a:off x="1442036" y="2403430"/>
-            <a:ext cx="6655946" cy="1799083"/>
+            <a:off x="4118810" y="2101969"/>
+            <a:ext cx="4524120" cy="1233484"/>
+          </a:xfrm>
+          <a:prstGeom prst="rect">
+            <a:avLst/>
+          </a:prstGeom>
+        </p:spPr>
+      </p:pic>
+      <p:pic>
+        <p:nvPicPr>
+          <p:cNvPr id="7" name="Picture 6"/>
+          <p:cNvPicPr>
+            <a:picLocks noChangeAspect="1"/>
+          </p:cNvPicPr>
+          <p:nvPr/>
+        </p:nvPicPr>
+        <p:blipFill>
+          <a:blip r:embed="rId3"/>
+          <a:stretch>
+            <a:fillRect/>
+          </a:stretch>
+        </p:blipFill>
+        <p:spPr>
+          <a:xfrm>
+            <a:off x="463550" y="1446074"/>
+            <a:ext cx="3267394" cy="3024326"/>
           </a:xfrm>
           <a:prstGeom prst="rect">
             <a:avLst/>
@@ -8424,7 +9652,7 @@
     </p:spTree>
     <p:extLst>
       <p:ext uri="{BB962C8B-B14F-4D97-AF65-F5344CB8AC3E}">
-        <p14:creationId xmlns:p14="http://schemas.microsoft.com/office/powerpoint/2010/main" val="1497040954"/>
+        <p14:creationId xmlns:p14="http://schemas.microsoft.com/office/powerpoint/2010/main" val="2303769549"/>
       </p:ext>
     </p:extLst>
   </p:cSld>
@@ -8467,8 +9695,36 @@
           <a:lstStyle/>
           <a:p>
             <a:r>
-              <a:rPr lang="en-CA" dirty="0"/>
-              <a:t>Bridge – practical example</a:t>
+              <a:rPr lang="en-US" dirty="0"/>
+              <a:t>Bridge (structural)</a:t>
+            </a:r>
+          </a:p>
+        </p:txBody>
+      </p:sp>
+      <p:sp>
+        <p:nvSpPr>
+          <p:cNvPr id="3" name="Text Placeholder 2"/>
+          <p:cNvSpPr>
+            <a:spLocks noGrp="1"/>
+          </p:cNvSpPr>
+          <p:nvPr>
+            <p:ph type="body" sz="quarter" idx="10"/>
+          </p:nvPr>
+        </p:nvSpPr>
+        <p:spPr/>
+        <p:txBody>
+          <a:bodyPr/>
+          <a:lstStyle/>
+          <a:p>
+            <a:r>
+              <a:rPr lang="en-US" dirty="0"/>
+              <a:t>Enables use of different APIs by same type of object</a:t>
+            </a:r>
+          </a:p>
+          <a:p>
+            <a:r>
+              <a:rPr lang="en-US" dirty="0"/>
+              <a:t>Works like “API injector”</a:t>
             </a:r>
           </a:p>
         </p:txBody>
@@ -8489,189 +9745,18 @@
         </p:blipFill>
         <p:spPr>
           <a:xfrm>
-            <a:off x="5181375" y="1116173"/>
-            <a:ext cx="3178856" cy="701353"/>
+            <a:off x="1442036" y="2403430"/>
+            <a:ext cx="6655946" cy="1799083"/>
           </a:xfrm>
           <a:prstGeom prst="rect">
             <a:avLst/>
           </a:prstGeom>
-          <a:effectLst>
-            <a:glow rad="127000">
-              <a:schemeClr val="accent1">
-                <a:lumMod val="20000"/>
-                <a:lumOff val="80000"/>
-              </a:schemeClr>
-            </a:glow>
-          </a:effectLst>
-        </p:spPr>
-      </p:pic>
-      <p:pic>
-        <p:nvPicPr>
-          <p:cNvPr id="6" name="Picture 5"/>
-          <p:cNvPicPr>
-            <a:picLocks noChangeAspect="1"/>
-          </p:cNvPicPr>
-          <p:nvPr/>
-        </p:nvPicPr>
-        <p:blipFill>
-          <a:blip r:embed="rId3"/>
-          <a:stretch>
-            <a:fillRect/>
-          </a:stretch>
-        </p:blipFill>
-        <p:spPr>
-          <a:xfrm>
-            <a:off x="4455489" y="2880946"/>
-            <a:ext cx="2134552" cy="958083"/>
-          </a:xfrm>
-          <a:prstGeom prst="rect">
-            <a:avLst/>
-          </a:prstGeom>
-          <a:effectLst>
-            <a:glow rad="127000">
-              <a:schemeClr val="accent1">
-                <a:lumMod val="20000"/>
-                <a:lumOff val="80000"/>
-              </a:schemeClr>
-            </a:glow>
-          </a:effectLst>
-        </p:spPr>
-      </p:pic>
-      <p:pic>
-        <p:nvPicPr>
-          <p:cNvPr id="7" name="Picture 6"/>
-          <p:cNvPicPr>
-            <a:picLocks noChangeAspect="1"/>
-          </p:cNvPicPr>
-          <p:nvPr/>
-        </p:nvPicPr>
-        <p:blipFill>
-          <a:blip r:embed="rId4"/>
-          <a:stretch>
-            <a:fillRect/>
-          </a:stretch>
-        </p:blipFill>
-        <p:spPr>
-          <a:xfrm>
-            <a:off x="6679156" y="2997060"/>
-            <a:ext cx="2359027" cy="725854"/>
-          </a:xfrm>
-          <a:prstGeom prst="rect">
-            <a:avLst/>
-          </a:prstGeom>
-          <a:effectLst>
-            <a:glow rad="127000">
-              <a:schemeClr val="accent1">
-                <a:lumMod val="20000"/>
-                <a:lumOff val="80000"/>
-              </a:schemeClr>
-            </a:glow>
-          </a:effectLst>
-        </p:spPr>
-      </p:pic>
-      <p:pic>
-        <p:nvPicPr>
-          <p:cNvPr id="8" name="Picture 7"/>
-          <p:cNvPicPr>
-            <a:picLocks noChangeAspect="1"/>
-          </p:cNvPicPr>
-          <p:nvPr/>
-        </p:nvPicPr>
-        <p:blipFill>
-          <a:blip r:embed="rId5"/>
-          <a:stretch>
-            <a:fillRect/>
-          </a:stretch>
-        </p:blipFill>
-        <p:spPr>
-          <a:xfrm>
-            <a:off x="778319" y="1070839"/>
-            <a:ext cx="1929730" cy="1117869"/>
-          </a:xfrm>
-          <a:prstGeom prst="rect">
-            <a:avLst/>
-          </a:prstGeom>
-          <a:effectLst>
-            <a:glow rad="127000">
-              <a:schemeClr val="accent1">
-                <a:lumMod val="20000"/>
-                <a:lumOff val="80000"/>
-              </a:schemeClr>
-            </a:glow>
-          </a:effectLst>
-        </p:spPr>
-      </p:pic>
-      <p:pic>
-        <p:nvPicPr>
-          <p:cNvPr id="9" name="Picture 8"/>
-          <p:cNvPicPr>
-            <a:picLocks noChangeAspect="1"/>
-          </p:cNvPicPr>
-          <p:nvPr/>
-        </p:nvPicPr>
-        <p:blipFill>
-          <a:blip r:embed="rId6"/>
-          <a:stretch>
-            <a:fillRect/>
-          </a:stretch>
-        </p:blipFill>
-        <p:spPr>
-          <a:xfrm>
-            <a:off x="485533" y="2689698"/>
-            <a:ext cx="3319205" cy="1577502"/>
-          </a:xfrm>
-          <a:prstGeom prst="rect">
-            <a:avLst/>
-          </a:prstGeom>
-          <a:effectLst>
-            <a:glow rad="127000">
-              <a:schemeClr val="accent1">
-                <a:lumMod val="20000"/>
-                <a:lumOff val="80000"/>
-              </a:schemeClr>
-            </a:glow>
-          </a:effectLst>
-        </p:spPr>
-      </p:pic>
-      <p:pic>
-        <p:nvPicPr>
-          <p:cNvPr id="10" name="Picture 9"/>
-          <p:cNvPicPr>
-            <a:picLocks noChangeAspect="1"/>
-          </p:cNvPicPr>
-          <p:nvPr/>
-        </p:nvPicPr>
-        <p:blipFill>
-          <a:blip r:embed="rId7">
-            <a:lum bright="-4000"/>
-          </a:blip>
-          <a:stretch>
-            <a:fillRect/>
-          </a:stretch>
-        </p:blipFill>
-        <p:spPr>
-          <a:xfrm>
-            <a:off x="3106848" y="1990880"/>
-            <a:ext cx="1879488" cy="508020"/>
-          </a:xfrm>
-          <a:prstGeom prst="rect">
-            <a:avLst/>
-          </a:prstGeom>
-          <a:effectLst>
-            <a:glow rad="101600">
-              <a:schemeClr val="accent1">
-                <a:lumMod val="20000"/>
-                <a:lumOff val="80000"/>
-                <a:alpha val="40000"/>
-              </a:schemeClr>
-            </a:glow>
-          </a:effectLst>
         </p:spPr>
       </p:pic>
     </p:spTree>
     <p:extLst>
       <p:ext uri="{BB962C8B-B14F-4D97-AF65-F5344CB8AC3E}">
-        <p14:creationId xmlns:p14="http://schemas.microsoft.com/office/powerpoint/2010/main" val="3175472840"/>
+        <p14:creationId xmlns:p14="http://schemas.microsoft.com/office/powerpoint/2010/main" val="1497040954"/>
       </p:ext>
     </p:extLst>
   </p:cSld>

--- a/Documents/Design Patterns Presentation.pptx
+++ b/Documents/Design Patterns Presentation.pptx
@@ -6119,8 +6119,8 @@
         </p:blipFill>
         <p:spPr>
           <a:xfrm>
-            <a:off x="4455489" y="2880946"/>
-            <a:ext cx="2134552" cy="958083"/>
+            <a:off x="3969488" y="2880946"/>
+            <a:ext cx="2620553" cy="1176222"/>
           </a:xfrm>
           <a:prstGeom prst="rect">
             <a:avLst/>
@@ -6151,8 +6151,8 @@
         </p:blipFill>
         <p:spPr>
           <a:xfrm>
-            <a:off x="6679156" y="2997060"/>
-            <a:ext cx="2359027" cy="725854"/>
+            <a:off x="5552638" y="2244890"/>
+            <a:ext cx="3357954" cy="1033216"/>
           </a:xfrm>
           <a:prstGeom prst="rect">
             <a:avLst/>
@@ -6638,8 +6638,8 @@
         </p:blipFill>
         <p:spPr>
           <a:xfrm>
-            <a:off x="4848860" y="1358109"/>
-            <a:ext cx="3614625" cy="2707367"/>
+            <a:off x="4456312" y="1261161"/>
+            <a:ext cx="3990722" cy="2989065"/>
           </a:xfrm>
           <a:prstGeom prst="rect">
             <a:avLst/>
@@ -6680,6 +6680,94 @@
   <p:clrMapOvr>
     <a:masterClrMapping/>
   </p:clrMapOvr>
+  <p:timing>
+    <p:tnLst>
+      <p:par>
+        <p:cTn id="1" dur="indefinite" restart="never" nodeType="tmRoot">
+          <p:childTnLst>
+            <p:seq concurrent="1" nextAc="seek">
+              <p:cTn id="2" dur="indefinite" nodeType="mainSeq">
+                <p:childTnLst>
+                  <p:par>
+                    <p:cTn id="3" fill="hold">
+                      <p:stCondLst>
+                        <p:cond delay="indefinite"/>
+                      </p:stCondLst>
+                      <p:childTnLst>
+                        <p:par>
+                          <p:cTn id="4" fill="hold">
+                            <p:stCondLst>
+                              <p:cond delay="0"/>
+                            </p:stCondLst>
+                            <p:childTnLst>
+                              <p:par>
+                                <p:cTn id="5" presetID="6" presetClass="emph" presetSubtype="0" fill="hold" nodeType="clickEffect">
+                                  <p:stCondLst>
+                                    <p:cond delay="0"/>
+                                  </p:stCondLst>
+                                  <p:childTnLst>
+                                    <p:animScale>
+                                      <p:cBhvr>
+                                        <p:cTn id="6" dur="1000" fill="hold"/>
+                                        <p:tgtEl>
+                                          <p:spTgt spid="9"/>
+                                        </p:tgtEl>
+                                      </p:cBhvr>
+                                      <p:by x="150000" y="150000"/>
+                                    </p:animScale>
+                                  </p:childTnLst>
+                                </p:cTn>
+                              </p:par>
+                              <p:par>
+                                <p:cTn id="7" presetID="42" presetClass="path" presetSubtype="0" accel="50000" decel="50000" fill="hold" nodeType="withEffect">
+                                  <p:stCondLst>
+                                    <p:cond delay="0"/>
+                                  </p:stCondLst>
+                                  <p:childTnLst>
+                                    <p:animMotion origin="layout" path="M 2.5E-6 1.35802E-6 L 0.23455 -0.01698 " pathEditMode="relative" rAng="0" ptsTypes="AA">
+                                      <p:cBhvr>
+                                        <p:cTn id="8" dur="1000" fill="hold"/>
+                                        <p:tgtEl>
+                                          <p:spTgt spid="9"/>
+                                        </p:tgtEl>
+                                        <p:attrNameLst>
+                                          <p:attrName>ppt_x</p:attrName>
+                                          <p:attrName>ppt_y</p:attrName>
+                                        </p:attrNameLst>
+                                      </p:cBhvr>
+                                      <p:rCtr x="11719" y="-864"/>
+                                    </p:animMotion>
+                                  </p:childTnLst>
+                                </p:cTn>
+                              </p:par>
+                            </p:childTnLst>
+                          </p:cTn>
+                        </p:par>
+                      </p:childTnLst>
+                    </p:cTn>
+                  </p:par>
+                </p:childTnLst>
+              </p:cTn>
+              <p:prevCondLst>
+                <p:cond evt="onPrev" delay="0">
+                  <p:tgtEl>
+                    <p:sldTgt/>
+                  </p:tgtEl>
+                </p:cond>
+              </p:prevCondLst>
+              <p:nextCondLst>
+                <p:cond evt="onNext" delay="0">
+                  <p:tgtEl>
+                    <p:sldTgt/>
+                  </p:tgtEl>
+                </p:cond>
+              </p:nextCondLst>
+            </p:seq>
+          </p:childTnLst>
+        </p:cTn>
+      </p:par>
+    </p:tnLst>
+  </p:timing>
 </p:sld>
 </file>
 
@@ -6738,8 +6826,8 @@
         </p:blipFill>
         <p:spPr>
           <a:xfrm>
-            <a:off x="3570038" y="2096440"/>
-            <a:ext cx="5259113" cy="1446256"/>
+            <a:off x="3104484" y="1647523"/>
+            <a:ext cx="5834722" cy="1604549"/>
           </a:xfrm>
           <a:prstGeom prst="rect">
             <a:avLst/>
@@ -7101,8 +7189,8 @@
         </p:blipFill>
         <p:spPr>
           <a:xfrm>
-            <a:off x="6097115" y="945356"/>
-            <a:ext cx="2659535" cy="2391196"/>
+            <a:off x="5855897" y="958983"/>
+            <a:ext cx="3206456" cy="2882934"/>
           </a:xfrm>
           <a:prstGeom prst="rect">
             <a:avLst/>
@@ -7125,8 +7213,8 @@
         </p:blipFill>
         <p:spPr>
           <a:xfrm>
-            <a:off x="769723" y="855830"/>
-            <a:ext cx="3324483" cy="2714372"/>
+            <a:off x="290968" y="1068480"/>
+            <a:ext cx="3882970" cy="3170365"/>
           </a:xfrm>
           <a:prstGeom prst="rect">
             <a:avLst/>
@@ -7167,8 +7255,8 @@
         </p:nvCxnSpPr>
         <p:spPr>
           <a:xfrm flipH="1">
-            <a:off x="5420497" y="2471351"/>
-            <a:ext cx="676619" cy="1466791"/>
+            <a:off x="5420498" y="2431312"/>
+            <a:ext cx="676617" cy="1506830"/>
           </a:xfrm>
           <a:prstGeom prst="straightConnector1">
             <a:avLst/>
@@ -7195,13 +7283,15 @@
       <p:cxnSp>
         <p:nvCxnSpPr>
           <p:cNvPr id="10" name="Straight Arrow Connector 9"/>
-          <p:cNvCxnSpPr/>
+          <p:cNvCxnSpPr>
+            <a:cxnSpLocks/>
+          </p:cNvCxnSpPr>
           <p:nvPr/>
         </p:nvCxnSpPr>
         <p:spPr>
           <a:xfrm>
-            <a:off x="2232454" y="2734962"/>
-            <a:ext cx="2018270" cy="963827"/>
+            <a:off x="2353340" y="3274828"/>
+            <a:ext cx="1897384" cy="423961"/>
           </a:xfrm>
           <a:prstGeom prst="straightConnector1">
             <a:avLst/>
@@ -7722,7 +7812,12 @@
             <p:ph type="body" sz="quarter" idx="10"/>
           </p:nvPr>
         </p:nvSpPr>
-        <p:spPr/>
+        <p:spPr>
+          <a:xfrm>
+            <a:off x="406400" y="1126331"/>
+            <a:ext cx="8382000" cy="1156125"/>
+          </a:xfrm>
+        </p:spPr>
         <p:txBody>
           <a:bodyPr/>
           <a:lstStyle/>
@@ -7732,12 +7827,195 @@
               <a:t>Template for how to solve a problem or implement an idea in source code.</a:t>
             </a:r>
           </a:p>
-          <a:p>
-            <a:endParaRPr lang="en-US" dirty="0"/>
-          </a:p>
-          <a:p>
-            <a:endParaRPr lang="en-US" dirty="0"/>
-          </a:p>
+        </p:txBody>
+      </p:sp>
+      <p:sp>
+        <p:nvSpPr>
+          <p:cNvPr id="5" name="Text Placeholder 3"/>
+          <p:cNvSpPr txBox="1">
+            <a:spLocks/>
+          </p:cNvSpPr>
+          <p:nvPr/>
+        </p:nvSpPr>
+        <p:spPr bwMode="auto">
+          <a:xfrm>
+            <a:off x="374650" y="3090530"/>
+            <a:ext cx="8382000" cy="1188576"/>
+          </a:xfrm>
+          <a:prstGeom prst="rect">
+            <a:avLst/>
+          </a:prstGeom>
+          <a:noFill/>
+          <a:ln w="9525">
+            <a:noFill/>
+            <a:miter lim="800000"/>
+            <a:headEnd/>
+            <a:tailEnd/>
+          </a:ln>
+        </p:spPr>
+        <p:txBody>
+          <a:bodyPr vert="horz" wrap="square" lIns="91440" tIns="45720" rIns="91440" bIns="45720" numCol="1" anchor="t" anchorCtr="0" compatLnSpc="1">
+            <a:prstTxWarp prst="textNoShape">
+              <a:avLst/>
+            </a:prstTxWarp>
+          </a:bodyPr>
+          <a:lstStyle>
+            <a:lvl1pPr marL="342900" indent="-342900" algn="l" defTabSz="457200" rtl="0" eaLnBrk="1" fontAlgn="base" hangingPunct="1">
+              <a:spcBef>
+                <a:spcPct val="20000"/>
+              </a:spcBef>
+              <a:spcAft>
+                <a:spcPct val="0"/>
+              </a:spcAft>
+              <a:buSzPct val="75000"/>
+              <a:buFont typeface="Arial" charset="0"/>
+              <a:buChar char="•"/>
+              <a:defRPr sz="2600" kern="1200" baseline="0">
+                <a:solidFill>
+                  <a:srgbClr val="374957"/>
+                </a:solidFill>
+                <a:latin typeface="Arial"/>
+                <a:ea typeface="ＭＳ Ｐゴシック" charset="-128"/>
+                <a:cs typeface="ＭＳ Ｐゴシック" charset="-128"/>
+              </a:defRPr>
+            </a:lvl1pPr>
+            <a:lvl2pPr marL="742950" indent="-285750" algn="l" defTabSz="457200" rtl="0" eaLnBrk="1" fontAlgn="base" hangingPunct="1">
+              <a:spcBef>
+                <a:spcPct val="20000"/>
+              </a:spcBef>
+              <a:spcAft>
+                <a:spcPct val="0"/>
+              </a:spcAft>
+              <a:buSzPct val="75000"/>
+              <a:buFont typeface="Arial" charset="0"/>
+              <a:buChar char="•"/>
+              <a:defRPr sz="2200" kern="1200">
+                <a:solidFill>
+                  <a:srgbClr val="374957"/>
+                </a:solidFill>
+                <a:latin typeface="Arial"/>
+                <a:ea typeface="ＭＳ Ｐゴシック" charset="-128"/>
+                <a:cs typeface="+mn-cs"/>
+              </a:defRPr>
+            </a:lvl2pPr>
+            <a:lvl3pPr marL="1143000" indent="-228600" algn="l" defTabSz="457200" rtl="0" eaLnBrk="1" fontAlgn="base" hangingPunct="1">
+              <a:spcBef>
+                <a:spcPct val="20000"/>
+              </a:spcBef>
+              <a:spcAft>
+                <a:spcPct val="0"/>
+              </a:spcAft>
+              <a:buSzPct val="75000"/>
+              <a:buFont typeface="Arial" charset="0"/>
+              <a:buChar char="•"/>
+              <a:defRPr sz="1800" kern="1200">
+                <a:solidFill>
+                  <a:srgbClr val="374957"/>
+                </a:solidFill>
+                <a:latin typeface="Arial"/>
+                <a:ea typeface="ＭＳ Ｐゴシック" charset="-128"/>
+                <a:cs typeface="+mn-cs"/>
+              </a:defRPr>
+            </a:lvl3pPr>
+            <a:lvl4pPr marL="1600200" indent="-228600" algn="l" defTabSz="457200" rtl="0" eaLnBrk="1" fontAlgn="base" hangingPunct="1">
+              <a:spcBef>
+                <a:spcPct val="20000"/>
+              </a:spcBef>
+              <a:spcAft>
+                <a:spcPct val="0"/>
+              </a:spcAft>
+              <a:buSzPct val="75000"/>
+              <a:buFont typeface="Arial" charset="0"/>
+              <a:buChar char="•"/>
+              <a:defRPr sz="1600" kern="1200">
+                <a:solidFill>
+                  <a:srgbClr val="374957"/>
+                </a:solidFill>
+                <a:latin typeface="Arial"/>
+                <a:ea typeface="ＭＳ Ｐゴシック" charset="-128"/>
+                <a:cs typeface="+mn-cs"/>
+              </a:defRPr>
+            </a:lvl4pPr>
+            <a:lvl5pPr marL="2057400" indent="-228600" algn="l" defTabSz="457200" rtl="0" eaLnBrk="1" fontAlgn="base" hangingPunct="1">
+              <a:spcBef>
+                <a:spcPct val="20000"/>
+              </a:spcBef>
+              <a:spcAft>
+                <a:spcPct val="0"/>
+              </a:spcAft>
+              <a:buSzPct val="75000"/>
+              <a:buFont typeface="Arial" charset="0"/>
+              <a:buChar char="•"/>
+              <a:defRPr sz="1600" kern="1200">
+                <a:solidFill>
+                  <a:srgbClr val="374957"/>
+                </a:solidFill>
+                <a:latin typeface="Arial"/>
+                <a:ea typeface="ＭＳ Ｐゴシック" charset="-128"/>
+                <a:cs typeface="+mn-cs"/>
+              </a:defRPr>
+            </a:lvl5pPr>
+            <a:lvl6pPr marL="2514600" indent="-228600" algn="l" defTabSz="457200" rtl="0" eaLnBrk="1" latinLnBrk="0" hangingPunct="1">
+              <a:spcBef>
+                <a:spcPct val="20000"/>
+              </a:spcBef>
+              <a:buFont typeface="Arial"/>
+              <a:buChar char="•"/>
+              <a:defRPr sz="2000" kern="1200">
+                <a:solidFill>
+                  <a:schemeClr val="tx1"/>
+                </a:solidFill>
+                <a:latin typeface="+mn-lt"/>
+                <a:ea typeface="+mn-ea"/>
+                <a:cs typeface="+mn-cs"/>
+              </a:defRPr>
+            </a:lvl6pPr>
+            <a:lvl7pPr marL="2971800" indent="-228600" algn="l" defTabSz="457200" rtl="0" eaLnBrk="1" latinLnBrk="0" hangingPunct="1">
+              <a:spcBef>
+                <a:spcPct val="20000"/>
+              </a:spcBef>
+              <a:buFont typeface="Arial"/>
+              <a:buChar char="•"/>
+              <a:defRPr sz="2000" kern="1200">
+                <a:solidFill>
+                  <a:schemeClr val="tx1"/>
+                </a:solidFill>
+                <a:latin typeface="+mn-lt"/>
+                <a:ea typeface="+mn-ea"/>
+                <a:cs typeface="+mn-cs"/>
+              </a:defRPr>
+            </a:lvl7pPr>
+            <a:lvl8pPr marL="3429000" indent="-228600" algn="l" defTabSz="457200" rtl="0" eaLnBrk="1" latinLnBrk="0" hangingPunct="1">
+              <a:spcBef>
+                <a:spcPct val="20000"/>
+              </a:spcBef>
+              <a:buFont typeface="Arial"/>
+              <a:buChar char="•"/>
+              <a:defRPr sz="2000" kern="1200">
+                <a:solidFill>
+                  <a:schemeClr val="tx1"/>
+                </a:solidFill>
+                <a:latin typeface="+mn-lt"/>
+                <a:ea typeface="+mn-ea"/>
+                <a:cs typeface="+mn-cs"/>
+              </a:defRPr>
+            </a:lvl8pPr>
+            <a:lvl9pPr marL="3886200" indent="-228600" algn="l" defTabSz="457200" rtl="0" eaLnBrk="1" latinLnBrk="0" hangingPunct="1">
+              <a:spcBef>
+                <a:spcPct val="20000"/>
+              </a:spcBef>
+              <a:buFont typeface="Arial"/>
+              <a:buChar char="•"/>
+              <a:defRPr sz="2000" kern="1200">
+                <a:solidFill>
+                  <a:schemeClr val="tx1"/>
+                </a:solidFill>
+                <a:latin typeface="+mn-lt"/>
+                <a:ea typeface="+mn-ea"/>
+                <a:cs typeface="+mn-cs"/>
+              </a:defRPr>
+            </a:lvl9pPr>
+          </a:lstStyle>
           <a:p>
             <a:r>
               <a:rPr lang="en-US" dirty="0"/>
@@ -7756,6 +8034,154 @@
   <p:clrMapOvr>
     <a:masterClrMapping/>
   </p:clrMapOvr>
+  <p:timing>
+    <p:tnLst>
+      <p:par>
+        <p:cTn id="1" dur="indefinite" restart="never" nodeType="tmRoot">
+          <p:childTnLst>
+            <p:seq concurrent="1" nextAc="seek">
+              <p:cTn id="2" dur="indefinite" nodeType="mainSeq">
+                <p:childTnLst>
+                  <p:par>
+                    <p:cTn id="3" fill="hold">
+                      <p:stCondLst>
+                        <p:cond delay="indefinite"/>
+                      </p:stCondLst>
+                      <p:childTnLst>
+                        <p:par>
+                          <p:cTn id="4" fill="hold">
+                            <p:stCondLst>
+                              <p:cond delay="0"/>
+                            </p:stCondLst>
+                            <p:childTnLst>
+                              <p:par>
+                                <p:cTn id="5" presetID="10" presetClass="entr" presetSubtype="0" fill="hold" grpId="0" nodeType="clickEffect">
+                                  <p:stCondLst>
+                                    <p:cond delay="0"/>
+                                  </p:stCondLst>
+                                  <p:childTnLst>
+                                    <p:set>
+                                      <p:cBhvr>
+                                        <p:cTn id="6" dur="1" fill="hold">
+                                          <p:stCondLst>
+                                            <p:cond delay="0"/>
+                                          </p:stCondLst>
+                                        </p:cTn>
+                                        <p:tgtEl>
+                                          <p:spTgt spid="4">
+                                            <p:txEl>
+                                              <p:pRg st="0" end="0"/>
+                                            </p:txEl>
+                                          </p:spTgt>
+                                        </p:tgtEl>
+                                        <p:attrNameLst>
+                                          <p:attrName>style.visibility</p:attrName>
+                                        </p:attrNameLst>
+                                      </p:cBhvr>
+                                      <p:to>
+                                        <p:strVal val="visible"/>
+                                      </p:to>
+                                    </p:set>
+                                    <p:animEffect transition="in" filter="fade">
+                                      <p:cBhvr>
+                                        <p:cTn id="7" dur="500"/>
+                                        <p:tgtEl>
+                                          <p:spTgt spid="4">
+                                            <p:txEl>
+                                              <p:pRg st="0" end="0"/>
+                                            </p:txEl>
+                                          </p:spTgt>
+                                        </p:tgtEl>
+                                      </p:cBhvr>
+                                    </p:animEffect>
+                                  </p:childTnLst>
+                                </p:cTn>
+                              </p:par>
+                            </p:childTnLst>
+                          </p:cTn>
+                        </p:par>
+                      </p:childTnLst>
+                    </p:cTn>
+                  </p:par>
+                  <p:par>
+                    <p:cTn id="8" fill="hold">
+                      <p:stCondLst>
+                        <p:cond delay="indefinite"/>
+                      </p:stCondLst>
+                      <p:childTnLst>
+                        <p:par>
+                          <p:cTn id="9" fill="hold">
+                            <p:stCondLst>
+                              <p:cond delay="0"/>
+                            </p:stCondLst>
+                            <p:childTnLst>
+                              <p:par>
+                                <p:cTn id="10" presetID="10" presetClass="entr" presetSubtype="0" fill="hold" grpId="0" nodeType="clickEffect">
+                                  <p:stCondLst>
+                                    <p:cond delay="0"/>
+                                  </p:stCondLst>
+                                  <p:childTnLst>
+                                    <p:set>
+                                      <p:cBhvr>
+                                        <p:cTn id="11" dur="1" fill="hold">
+                                          <p:stCondLst>
+                                            <p:cond delay="0"/>
+                                          </p:stCondLst>
+                                        </p:cTn>
+                                        <p:tgtEl>
+                                          <p:spTgt spid="5"/>
+                                        </p:tgtEl>
+                                        <p:attrNameLst>
+                                          <p:attrName>style.visibility</p:attrName>
+                                        </p:attrNameLst>
+                                      </p:cBhvr>
+                                      <p:to>
+                                        <p:strVal val="visible"/>
+                                      </p:to>
+                                    </p:set>
+                                    <p:animEffect transition="in" filter="fade">
+                                      <p:cBhvr>
+                                        <p:cTn id="12" dur="500"/>
+                                        <p:tgtEl>
+                                          <p:spTgt spid="5"/>
+                                        </p:tgtEl>
+                                      </p:cBhvr>
+                                    </p:animEffect>
+                                  </p:childTnLst>
+                                </p:cTn>
+                              </p:par>
+                            </p:childTnLst>
+                          </p:cTn>
+                        </p:par>
+                      </p:childTnLst>
+                    </p:cTn>
+                  </p:par>
+                </p:childTnLst>
+              </p:cTn>
+              <p:prevCondLst>
+                <p:cond evt="onPrev" delay="0">
+                  <p:tgtEl>
+                    <p:sldTgt/>
+                  </p:tgtEl>
+                </p:cond>
+              </p:prevCondLst>
+              <p:nextCondLst>
+                <p:cond evt="onNext" delay="0">
+                  <p:tgtEl>
+                    <p:sldTgt/>
+                  </p:tgtEl>
+                </p:cond>
+              </p:nextCondLst>
+            </p:seq>
+          </p:childTnLst>
+        </p:cTn>
+      </p:par>
+    </p:tnLst>
+    <p:bldLst>
+      <p:bldP spid="4" grpId="0" build="p"/>
+      <p:bldP spid="5" grpId="0"/>
+    </p:bldLst>
+  </p:timing>
 </p:sld>
 </file>
 
@@ -7837,26 +8263,6 @@
               <a:rPr lang="en-US" dirty="0"/>
               <a:t> abstract class</a:t>
             </a:r>
-          </a:p>
-          <a:p>
-            <a:pPr lvl="1"/>
-            <a:r>
-              <a:rPr lang="en-US" dirty="0"/>
-              <a:t>Video class extending </a:t>
-            </a:r>
-            <a:r>
-              <a:rPr lang="en-US" dirty="0" err="1"/>
-              <a:t>LibItem</a:t>
-            </a:r>
-            <a:r>
-              <a:rPr lang="en-US" dirty="0"/>
-              <a:t> </a:t>
-            </a:r>
-            <a:r>
-              <a:rPr lang="en-US"/>
-              <a:t>abstract class</a:t>
-            </a:r>
-            <a:endParaRPr lang="en-US" dirty="0"/>
           </a:p>
           <a:p>
             <a:pPr lvl="1"/>
@@ -7972,13 +8378,6 @@
             <a:r>
               <a:rPr lang="en-US" dirty="0"/>
               <a:t>Book class extending LibItem class</a:t>
-            </a:r>
-          </a:p>
-          <a:p>
-            <a:pPr lvl="1"/>
-            <a:r>
-              <a:rPr lang="en-US" dirty="0"/>
-              <a:t>Video class extending LibItem class</a:t>
             </a:r>
           </a:p>
           <a:p>
@@ -9275,7 +9674,7 @@
           <a:p>
             <a:r>
               <a:rPr lang="en-US" dirty="0"/>
-              <a:t>3 Design patterns types</a:t>
+              <a:t>3 Types of patterns</a:t>
             </a:r>
           </a:p>
         </p:txBody>
@@ -9292,8 +9691,8 @@
         </p:nvSpPr>
         <p:spPr>
           <a:xfrm>
-            <a:off x="303628" y="945356"/>
-            <a:ext cx="8382000" cy="3378551"/>
+            <a:off x="232606" y="945356"/>
+            <a:ext cx="8382000" cy="1060653"/>
           </a:xfrm>
         </p:spPr>
         <p:txBody>
@@ -9302,31 +9701,402 @@
           <a:p>
             <a:r>
               <a:rPr lang="en-US" dirty="0"/>
-              <a:t>Creational – designed to abstract instantiation process. </a:t>
-            </a:r>
-            <a:br>
-              <a:rPr lang="en-US" dirty="0"/>
-            </a:br>
-            <a:endParaRPr lang="en-US" dirty="0"/>
-          </a:p>
-          <a:p>
-            <a:r>
-              <a:rPr lang="en-US" dirty="0"/>
-              <a:t>Structural – concerned with how two or more objects are composed into a bigger object.</a:t>
-            </a:r>
-            <a:br>
-              <a:rPr lang="en-US" dirty="0"/>
-            </a:br>
-            <a:endParaRPr lang="en-US" dirty="0"/>
-          </a:p>
-          <a:p>
-            <a:r>
-              <a:rPr lang="en-US" dirty="0"/>
-              <a:t>Behavioral – dealing with algorithms and assigning responsibility between objects.</a:t>
+              <a:t>Creational – designed to abstract instantiation process. ~5 main patterns</a:t>
+            </a:r>
+          </a:p>
+        </p:txBody>
+      </p:sp>
+      <p:sp>
+        <p:nvSpPr>
+          <p:cNvPr id="4" name="Text Placeholder 2"/>
+          <p:cNvSpPr txBox="1">
+            <a:spLocks/>
+          </p:cNvSpPr>
+          <p:nvPr/>
+        </p:nvSpPr>
+        <p:spPr bwMode="auto">
+          <a:xfrm>
+            <a:off x="232606" y="2157107"/>
+            <a:ext cx="8382000" cy="1084521"/>
+          </a:xfrm>
+          <a:prstGeom prst="rect">
+            <a:avLst/>
+          </a:prstGeom>
+          <a:noFill/>
+          <a:ln w="9525">
+            <a:noFill/>
+            <a:miter lim="800000"/>
+            <a:headEnd/>
+            <a:tailEnd/>
+          </a:ln>
+        </p:spPr>
+        <p:txBody>
+          <a:bodyPr vert="horz" wrap="square" lIns="91440" tIns="45720" rIns="91440" bIns="45720" numCol="1" anchor="t" anchorCtr="0" compatLnSpc="1">
+            <a:prstTxWarp prst="textNoShape">
+              <a:avLst/>
+            </a:prstTxWarp>
+          </a:bodyPr>
+          <a:lstStyle>
+            <a:lvl1pPr marL="342900" indent="-342900" algn="l" defTabSz="457200" rtl="0" eaLnBrk="1" fontAlgn="base" hangingPunct="1">
+              <a:spcBef>
+                <a:spcPct val="20000"/>
+              </a:spcBef>
+              <a:spcAft>
+                <a:spcPct val="0"/>
+              </a:spcAft>
+              <a:buSzPct val="75000"/>
+              <a:buFont typeface="Arial" charset="0"/>
+              <a:buChar char="•"/>
+              <a:defRPr sz="2600" kern="1200" baseline="0">
+                <a:solidFill>
+                  <a:srgbClr val="374957"/>
+                </a:solidFill>
+                <a:latin typeface="Arial"/>
+                <a:ea typeface="ＭＳ Ｐゴシック" charset="-128"/>
+                <a:cs typeface="ＭＳ Ｐゴシック" charset="-128"/>
+              </a:defRPr>
+            </a:lvl1pPr>
+            <a:lvl2pPr marL="742950" indent="-285750" algn="l" defTabSz="457200" rtl="0" eaLnBrk="1" fontAlgn="base" hangingPunct="1">
+              <a:spcBef>
+                <a:spcPct val="20000"/>
+              </a:spcBef>
+              <a:spcAft>
+                <a:spcPct val="0"/>
+              </a:spcAft>
+              <a:buSzPct val="75000"/>
+              <a:buFont typeface="Arial" charset="0"/>
+              <a:buChar char="•"/>
+              <a:defRPr sz="2200" kern="1200">
+                <a:solidFill>
+                  <a:srgbClr val="374957"/>
+                </a:solidFill>
+                <a:latin typeface="Arial"/>
+                <a:ea typeface="ＭＳ Ｐゴシック" charset="-128"/>
+                <a:cs typeface="+mn-cs"/>
+              </a:defRPr>
+            </a:lvl2pPr>
+            <a:lvl3pPr marL="1143000" indent="-228600" algn="l" defTabSz="457200" rtl="0" eaLnBrk="1" fontAlgn="base" hangingPunct="1">
+              <a:spcBef>
+                <a:spcPct val="20000"/>
+              </a:spcBef>
+              <a:spcAft>
+                <a:spcPct val="0"/>
+              </a:spcAft>
+              <a:buSzPct val="75000"/>
+              <a:buFont typeface="Arial" charset="0"/>
+              <a:buChar char="•"/>
+              <a:defRPr sz="1800" kern="1200">
+                <a:solidFill>
+                  <a:srgbClr val="374957"/>
+                </a:solidFill>
+                <a:latin typeface="Arial"/>
+                <a:ea typeface="ＭＳ Ｐゴシック" charset="-128"/>
+                <a:cs typeface="+mn-cs"/>
+              </a:defRPr>
+            </a:lvl3pPr>
+            <a:lvl4pPr marL="1600200" indent="-228600" algn="l" defTabSz="457200" rtl="0" eaLnBrk="1" fontAlgn="base" hangingPunct="1">
+              <a:spcBef>
+                <a:spcPct val="20000"/>
+              </a:spcBef>
+              <a:spcAft>
+                <a:spcPct val="0"/>
+              </a:spcAft>
+              <a:buSzPct val="75000"/>
+              <a:buFont typeface="Arial" charset="0"/>
+              <a:buChar char="•"/>
+              <a:defRPr sz="1600" kern="1200">
+                <a:solidFill>
+                  <a:srgbClr val="374957"/>
+                </a:solidFill>
+                <a:latin typeface="Arial"/>
+                <a:ea typeface="ＭＳ Ｐゴシック" charset="-128"/>
+                <a:cs typeface="+mn-cs"/>
+              </a:defRPr>
+            </a:lvl4pPr>
+            <a:lvl5pPr marL="2057400" indent="-228600" algn="l" defTabSz="457200" rtl="0" eaLnBrk="1" fontAlgn="base" hangingPunct="1">
+              <a:spcBef>
+                <a:spcPct val="20000"/>
+              </a:spcBef>
+              <a:spcAft>
+                <a:spcPct val="0"/>
+              </a:spcAft>
+              <a:buSzPct val="75000"/>
+              <a:buFont typeface="Arial" charset="0"/>
+              <a:buChar char="•"/>
+              <a:defRPr sz="1600" kern="1200">
+                <a:solidFill>
+                  <a:srgbClr val="374957"/>
+                </a:solidFill>
+                <a:latin typeface="Arial"/>
+                <a:ea typeface="ＭＳ Ｐゴシック" charset="-128"/>
+                <a:cs typeface="+mn-cs"/>
+              </a:defRPr>
+            </a:lvl5pPr>
+            <a:lvl6pPr marL="2514600" indent="-228600" algn="l" defTabSz="457200" rtl="0" eaLnBrk="1" latinLnBrk="0" hangingPunct="1">
+              <a:spcBef>
+                <a:spcPct val="20000"/>
+              </a:spcBef>
+              <a:buFont typeface="Arial"/>
+              <a:buChar char="•"/>
+              <a:defRPr sz="2000" kern="1200">
+                <a:solidFill>
+                  <a:schemeClr val="tx1"/>
+                </a:solidFill>
+                <a:latin typeface="+mn-lt"/>
+                <a:ea typeface="+mn-ea"/>
+                <a:cs typeface="+mn-cs"/>
+              </a:defRPr>
+            </a:lvl6pPr>
+            <a:lvl7pPr marL="2971800" indent="-228600" algn="l" defTabSz="457200" rtl="0" eaLnBrk="1" latinLnBrk="0" hangingPunct="1">
+              <a:spcBef>
+                <a:spcPct val="20000"/>
+              </a:spcBef>
+              <a:buFont typeface="Arial"/>
+              <a:buChar char="•"/>
+              <a:defRPr sz="2000" kern="1200">
+                <a:solidFill>
+                  <a:schemeClr val="tx1"/>
+                </a:solidFill>
+                <a:latin typeface="+mn-lt"/>
+                <a:ea typeface="+mn-ea"/>
+                <a:cs typeface="+mn-cs"/>
+              </a:defRPr>
+            </a:lvl7pPr>
+            <a:lvl8pPr marL="3429000" indent="-228600" algn="l" defTabSz="457200" rtl="0" eaLnBrk="1" latinLnBrk="0" hangingPunct="1">
+              <a:spcBef>
+                <a:spcPct val="20000"/>
+              </a:spcBef>
+              <a:buFont typeface="Arial"/>
+              <a:buChar char="•"/>
+              <a:defRPr sz="2000" kern="1200">
+                <a:solidFill>
+                  <a:schemeClr val="tx1"/>
+                </a:solidFill>
+                <a:latin typeface="+mn-lt"/>
+                <a:ea typeface="+mn-ea"/>
+                <a:cs typeface="+mn-cs"/>
+              </a:defRPr>
+            </a:lvl8pPr>
+            <a:lvl9pPr marL="3886200" indent="-228600" algn="l" defTabSz="457200" rtl="0" eaLnBrk="1" latinLnBrk="0" hangingPunct="1">
+              <a:spcBef>
+                <a:spcPct val="20000"/>
+              </a:spcBef>
+              <a:buFont typeface="Arial"/>
+              <a:buChar char="•"/>
+              <a:defRPr sz="2000" kern="1200">
+                <a:solidFill>
+                  <a:schemeClr val="tx1"/>
+                </a:solidFill>
+                <a:latin typeface="+mn-lt"/>
+                <a:ea typeface="+mn-ea"/>
+                <a:cs typeface="+mn-cs"/>
+              </a:defRPr>
+            </a:lvl9pPr>
+          </a:lstStyle>
+          <a:p>
+            <a:r>
+              <a:rPr lang="en-US" dirty="0"/>
+              <a:t>Structural – concerned with how two or more objects are composed into a bigger object. ~7 main patterns</a:t>
+            </a:r>
+          </a:p>
+        </p:txBody>
+      </p:sp>
+      <p:sp>
+        <p:nvSpPr>
+          <p:cNvPr id="5" name="Text Placeholder 2"/>
+          <p:cNvSpPr txBox="1">
+            <a:spLocks/>
+          </p:cNvSpPr>
+          <p:nvPr/>
+        </p:nvSpPr>
+        <p:spPr bwMode="auto">
+          <a:xfrm>
+            <a:off x="232606" y="3392727"/>
+            <a:ext cx="8382000" cy="1084521"/>
+          </a:xfrm>
+          <a:prstGeom prst="rect">
+            <a:avLst/>
+          </a:prstGeom>
+          <a:noFill/>
+          <a:ln w="9525">
+            <a:noFill/>
+            <a:miter lim="800000"/>
+            <a:headEnd/>
+            <a:tailEnd/>
+          </a:ln>
+        </p:spPr>
+        <p:txBody>
+          <a:bodyPr vert="horz" wrap="square" lIns="91440" tIns="45720" rIns="91440" bIns="45720" numCol="1" anchor="t" anchorCtr="0" compatLnSpc="1">
+            <a:prstTxWarp prst="textNoShape">
+              <a:avLst/>
+            </a:prstTxWarp>
+          </a:bodyPr>
+          <a:lstStyle>
+            <a:lvl1pPr marL="342900" indent="-342900" algn="l" defTabSz="457200" rtl="0" eaLnBrk="1" fontAlgn="base" hangingPunct="1">
+              <a:spcBef>
+                <a:spcPct val="20000"/>
+              </a:spcBef>
+              <a:spcAft>
+                <a:spcPct val="0"/>
+              </a:spcAft>
+              <a:buSzPct val="75000"/>
+              <a:buFont typeface="Arial" charset="0"/>
+              <a:buChar char="•"/>
+              <a:defRPr sz="2600" kern="1200" baseline="0">
+                <a:solidFill>
+                  <a:srgbClr val="374957"/>
+                </a:solidFill>
+                <a:latin typeface="Arial"/>
+                <a:ea typeface="ＭＳ Ｐゴシック" charset="-128"/>
+                <a:cs typeface="ＭＳ Ｐゴシック" charset="-128"/>
+              </a:defRPr>
+            </a:lvl1pPr>
+            <a:lvl2pPr marL="742950" indent="-285750" algn="l" defTabSz="457200" rtl="0" eaLnBrk="1" fontAlgn="base" hangingPunct="1">
+              <a:spcBef>
+                <a:spcPct val="20000"/>
+              </a:spcBef>
+              <a:spcAft>
+                <a:spcPct val="0"/>
+              </a:spcAft>
+              <a:buSzPct val="75000"/>
+              <a:buFont typeface="Arial" charset="0"/>
+              <a:buChar char="•"/>
+              <a:defRPr sz="2200" kern="1200">
+                <a:solidFill>
+                  <a:srgbClr val="374957"/>
+                </a:solidFill>
+                <a:latin typeface="Arial"/>
+                <a:ea typeface="ＭＳ Ｐゴシック" charset="-128"/>
+                <a:cs typeface="+mn-cs"/>
+              </a:defRPr>
+            </a:lvl2pPr>
+            <a:lvl3pPr marL="1143000" indent="-228600" algn="l" defTabSz="457200" rtl="0" eaLnBrk="1" fontAlgn="base" hangingPunct="1">
+              <a:spcBef>
+                <a:spcPct val="20000"/>
+              </a:spcBef>
+              <a:spcAft>
+                <a:spcPct val="0"/>
+              </a:spcAft>
+              <a:buSzPct val="75000"/>
+              <a:buFont typeface="Arial" charset="0"/>
+              <a:buChar char="•"/>
+              <a:defRPr sz="1800" kern="1200">
+                <a:solidFill>
+                  <a:srgbClr val="374957"/>
+                </a:solidFill>
+                <a:latin typeface="Arial"/>
+                <a:ea typeface="ＭＳ Ｐゴシック" charset="-128"/>
+                <a:cs typeface="+mn-cs"/>
+              </a:defRPr>
+            </a:lvl3pPr>
+            <a:lvl4pPr marL="1600200" indent="-228600" algn="l" defTabSz="457200" rtl="0" eaLnBrk="1" fontAlgn="base" hangingPunct="1">
+              <a:spcBef>
+                <a:spcPct val="20000"/>
+              </a:spcBef>
+              <a:spcAft>
+                <a:spcPct val="0"/>
+              </a:spcAft>
+              <a:buSzPct val="75000"/>
+              <a:buFont typeface="Arial" charset="0"/>
+              <a:buChar char="•"/>
+              <a:defRPr sz="1600" kern="1200">
+                <a:solidFill>
+                  <a:srgbClr val="374957"/>
+                </a:solidFill>
+                <a:latin typeface="Arial"/>
+                <a:ea typeface="ＭＳ Ｐゴシック" charset="-128"/>
+                <a:cs typeface="+mn-cs"/>
+              </a:defRPr>
+            </a:lvl4pPr>
+            <a:lvl5pPr marL="2057400" indent="-228600" algn="l" defTabSz="457200" rtl="0" eaLnBrk="1" fontAlgn="base" hangingPunct="1">
+              <a:spcBef>
+                <a:spcPct val="20000"/>
+              </a:spcBef>
+              <a:spcAft>
+                <a:spcPct val="0"/>
+              </a:spcAft>
+              <a:buSzPct val="75000"/>
+              <a:buFont typeface="Arial" charset="0"/>
+              <a:buChar char="•"/>
+              <a:defRPr sz="1600" kern="1200">
+                <a:solidFill>
+                  <a:srgbClr val="374957"/>
+                </a:solidFill>
+                <a:latin typeface="Arial"/>
+                <a:ea typeface="ＭＳ Ｐゴシック" charset="-128"/>
+                <a:cs typeface="+mn-cs"/>
+              </a:defRPr>
+            </a:lvl5pPr>
+            <a:lvl6pPr marL="2514600" indent="-228600" algn="l" defTabSz="457200" rtl="0" eaLnBrk="1" latinLnBrk="0" hangingPunct="1">
+              <a:spcBef>
+                <a:spcPct val="20000"/>
+              </a:spcBef>
+              <a:buFont typeface="Arial"/>
+              <a:buChar char="•"/>
+              <a:defRPr sz="2000" kern="1200">
+                <a:solidFill>
+                  <a:schemeClr val="tx1"/>
+                </a:solidFill>
+                <a:latin typeface="+mn-lt"/>
+                <a:ea typeface="+mn-ea"/>
+                <a:cs typeface="+mn-cs"/>
+              </a:defRPr>
+            </a:lvl6pPr>
+            <a:lvl7pPr marL="2971800" indent="-228600" algn="l" defTabSz="457200" rtl="0" eaLnBrk="1" latinLnBrk="0" hangingPunct="1">
+              <a:spcBef>
+                <a:spcPct val="20000"/>
+              </a:spcBef>
+              <a:buFont typeface="Arial"/>
+              <a:buChar char="•"/>
+              <a:defRPr sz="2000" kern="1200">
+                <a:solidFill>
+                  <a:schemeClr val="tx1"/>
+                </a:solidFill>
+                <a:latin typeface="+mn-lt"/>
+                <a:ea typeface="+mn-ea"/>
+                <a:cs typeface="+mn-cs"/>
+              </a:defRPr>
+            </a:lvl7pPr>
+            <a:lvl8pPr marL="3429000" indent="-228600" algn="l" defTabSz="457200" rtl="0" eaLnBrk="1" latinLnBrk="0" hangingPunct="1">
+              <a:spcBef>
+                <a:spcPct val="20000"/>
+              </a:spcBef>
+              <a:buFont typeface="Arial"/>
+              <a:buChar char="•"/>
+              <a:defRPr sz="2000" kern="1200">
+                <a:solidFill>
+                  <a:schemeClr val="tx1"/>
+                </a:solidFill>
+                <a:latin typeface="+mn-lt"/>
+                <a:ea typeface="+mn-ea"/>
+                <a:cs typeface="+mn-cs"/>
+              </a:defRPr>
+            </a:lvl8pPr>
+            <a:lvl9pPr marL="3886200" indent="-228600" algn="l" defTabSz="457200" rtl="0" eaLnBrk="1" latinLnBrk="0" hangingPunct="1">
+              <a:spcBef>
+                <a:spcPct val="20000"/>
+              </a:spcBef>
+              <a:buFont typeface="Arial"/>
+              <a:buChar char="•"/>
+              <a:defRPr sz="2000" kern="1200">
+                <a:solidFill>
+                  <a:schemeClr val="tx1"/>
+                </a:solidFill>
+                <a:latin typeface="+mn-lt"/>
+                <a:ea typeface="+mn-ea"/>
+                <a:cs typeface="+mn-cs"/>
+              </a:defRPr>
+            </a:lvl9pPr>
+          </a:lstStyle>
+          <a:p>
+            <a:r>
+              <a:rPr lang="en-US" dirty="0"/>
+              <a:t>Behavioral – dealing with algorithms and assigning responsibility between objects. ~11 main patterns</a:t>
             </a:r>
           </a:p>
           <a:p>
             <a:pPr marL="0" indent="0">
+              <a:buFont typeface="Arial" charset="0"/>
               <a:buNone/>
             </a:pPr>
             <a:endParaRPr lang="en-US" dirty="0"/>
@@ -9343,6 +10113,208 @@
   <p:clrMapOvr>
     <a:masterClrMapping/>
   </p:clrMapOvr>
+  <p:timing>
+    <p:tnLst>
+      <p:par>
+        <p:cTn id="1" dur="indefinite" restart="never" nodeType="tmRoot">
+          <p:childTnLst>
+            <p:seq concurrent="1" nextAc="seek">
+              <p:cTn id="2" dur="indefinite" nodeType="mainSeq">
+                <p:childTnLst>
+                  <p:par>
+                    <p:cTn id="3" fill="hold">
+                      <p:stCondLst>
+                        <p:cond delay="indefinite"/>
+                      </p:stCondLst>
+                      <p:childTnLst>
+                        <p:par>
+                          <p:cTn id="4" fill="hold">
+                            <p:stCondLst>
+                              <p:cond delay="0"/>
+                            </p:stCondLst>
+                            <p:childTnLst>
+                              <p:par>
+                                <p:cTn id="5" presetID="10" presetClass="entr" presetSubtype="0" fill="hold" grpId="0" nodeType="clickEffect">
+                                  <p:stCondLst>
+                                    <p:cond delay="0"/>
+                                  </p:stCondLst>
+                                  <p:childTnLst>
+                                    <p:set>
+                                      <p:cBhvr>
+                                        <p:cTn id="6" dur="1" fill="hold">
+                                          <p:stCondLst>
+                                            <p:cond delay="0"/>
+                                          </p:stCondLst>
+                                        </p:cTn>
+                                        <p:tgtEl>
+                                          <p:spTgt spid="3">
+                                            <p:txEl>
+                                              <p:pRg st="0" end="0"/>
+                                            </p:txEl>
+                                          </p:spTgt>
+                                        </p:tgtEl>
+                                        <p:attrNameLst>
+                                          <p:attrName>style.visibility</p:attrName>
+                                        </p:attrNameLst>
+                                      </p:cBhvr>
+                                      <p:to>
+                                        <p:strVal val="visible"/>
+                                      </p:to>
+                                    </p:set>
+                                    <p:animEffect transition="in" filter="fade">
+                                      <p:cBhvr>
+                                        <p:cTn id="7" dur="500"/>
+                                        <p:tgtEl>
+                                          <p:spTgt spid="3">
+                                            <p:txEl>
+                                              <p:pRg st="0" end="0"/>
+                                            </p:txEl>
+                                          </p:spTgt>
+                                        </p:tgtEl>
+                                      </p:cBhvr>
+                                    </p:animEffect>
+                                  </p:childTnLst>
+                                </p:cTn>
+                              </p:par>
+                            </p:childTnLst>
+                          </p:cTn>
+                        </p:par>
+                      </p:childTnLst>
+                    </p:cTn>
+                  </p:par>
+                  <p:par>
+                    <p:cTn id="8" fill="hold">
+                      <p:stCondLst>
+                        <p:cond delay="indefinite"/>
+                      </p:stCondLst>
+                      <p:childTnLst>
+                        <p:par>
+                          <p:cTn id="9" fill="hold">
+                            <p:stCondLst>
+                              <p:cond delay="0"/>
+                            </p:stCondLst>
+                            <p:childTnLst>
+                              <p:par>
+                                <p:cTn id="10" presetID="10" presetClass="entr" presetSubtype="0" fill="hold" grpId="0" nodeType="clickEffect">
+                                  <p:stCondLst>
+                                    <p:cond delay="0"/>
+                                  </p:stCondLst>
+                                  <p:childTnLst>
+                                    <p:set>
+                                      <p:cBhvr>
+                                        <p:cTn id="11" dur="1" fill="hold">
+                                          <p:stCondLst>
+                                            <p:cond delay="0"/>
+                                          </p:stCondLst>
+                                        </p:cTn>
+                                        <p:tgtEl>
+                                          <p:spTgt spid="4"/>
+                                        </p:tgtEl>
+                                        <p:attrNameLst>
+                                          <p:attrName>style.visibility</p:attrName>
+                                        </p:attrNameLst>
+                                      </p:cBhvr>
+                                      <p:to>
+                                        <p:strVal val="visible"/>
+                                      </p:to>
+                                    </p:set>
+                                    <p:animEffect transition="in" filter="fade">
+                                      <p:cBhvr>
+                                        <p:cTn id="12" dur="500"/>
+                                        <p:tgtEl>
+                                          <p:spTgt spid="4"/>
+                                        </p:tgtEl>
+                                      </p:cBhvr>
+                                    </p:animEffect>
+                                  </p:childTnLst>
+                                </p:cTn>
+                              </p:par>
+                            </p:childTnLst>
+                          </p:cTn>
+                        </p:par>
+                      </p:childTnLst>
+                    </p:cTn>
+                  </p:par>
+                  <p:par>
+                    <p:cTn id="13" fill="hold">
+                      <p:stCondLst>
+                        <p:cond delay="indefinite"/>
+                      </p:stCondLst>
+                      <p:childTnLst>
+                        <p:par>
+                          <p:cTn id="14" fill="hold">
+                            <p:stCondLst>
+                              <p:cond delay="0"/>
+                            </p:stCondLst>
+                            <p:childTnLst>
+                              <p:par>
+                                <p:cTn id="15" presetID="10" presetClass="entr" presetSubtype="0" fill="hold" grpId="0" nodeType="clickEffect">
+                                  <p:stCondLst>
+                                    <p:cond delay="0"/>
+                                  </p:stCondLst>
+                                  <p:childTnLst>
+                                    <p:set>
+                                      <p:cBhvr>
+                                        <p:cTn id="16" dur="1" fill="hold">
+                                          <p:stCondLst>
+                                            <p:cond delay="0"/>
+                                          </p:stCondLst>
+                                        </p:cTn>
+                                        <p:tgtEl>
+                                          <p:spTgt spid="5"/>
+                                        </p:tgtEl>
+                                        <p:attrNameLst>
+                                          <p:attrName>style.visibility</p:attrName>
+                                        </p:attrNameLst>
+                                      </p:cBhvr>
+                                      <p:to>
+                                        <p:strVal val="visible"/>
+                                      </p:to>
+                                    </p:set>
+                                    <p:animEffect transition="in" filter="fade">
+                                      <p:cBhvr>
+                                        <p:cTn id="17" dur="500"/>
+                                        <p:tgtEl>
+                                          <p:spTgt spid="5"/>
+                                        </p:tgtEl>
+                                      </p:cBhvr>
+                                    </p:animEffect>
+                                  </p:childTnLst>
+                                </p:cTn>
+                              </p:par>
+                            </p:childTnLst>
+                          </p:cTn>
+                        </p:par>
+                      </p:childTnLst>
+                    </p:cTn>
+                  </p:par>
+                </p:childTnLst>
+              </p:cTn>
+              <p:prevCondLst>
+                <p:cond evt="onPrev" delay="0">
+                  <p:tgtEl>
+                    <p:sldTgt/>
+                  </p:tgtEl>
+                </p:cond>
+              </p:prevCondLst>
+              <p:nextCondLst>
+                <p:cond evt="onNext" delay="0">
+                  <p:tgtEl>
+                    <p:sldTgt/>
+                  </p:tgtEl>
+                </p:cond>
+              </p:nextCondLst>
+            </p:seq>
+          </p:childTnLst>
+        </p:cTn>
+      </p:par>
+    </p:tnLst>
+    <p:bldLst>
+      <p:bldP spid="3" grpId="0" build="p"/>
+      <p:bldP spid="4" grpId="0"/>
+      <p:bldP spid="5" grpId="0"/>
+    </p:bldLst>
+  </p:timing>
 </p:sld>
 </file>
 
@@ -9477,7 +10449,7 @@
         </p:nvSpPr>
         <p:spPr>
           <a:xfrm>
-            <a:off x="6828739" y="1779181"/>
+            <a:off x="6747199" y="1594515"/>
             <a:ext cx="671979" cy="369332"/>
           </a:xfrm>
           <a:prstGeom prst="rect">
@@ -9514,7 +10486,7 @@
         </p:blipFill>
         <p:spPr>
           <a:xfrm>
-            <a:off x="6291243" y="2148513"/>
+            <a:off x="6153922" y="1964807"/>
             <a:ext cx="1881604" cy="2317161"/>
           </a:xfrm>
           <a:prstGeom prst="rect">
@@ -9617,8 +10589,8 @@
         </p:blipFill>
         <p:spPr>
           <a:xfrm>
-            <a:off x="4118810" y="2101969"/>
-            <a:ext cx="4524120" cy="1233484"/>
+            <a:off x="3730944" y="2101969"/>
+            <a:ext cx="4911986" cy="1339234"/>
           </a:xfrm>
           <a:prstGeom prst="rect">
             <a:avLst/>
@@ -9641,8 +10613,8 @@
         </p:blipFill>
         <p:spPr>
           <a:xfrm>
-            <a:off x="463550" y="1446074"/>
-            <a:ext cx="3267394" cy="3024326"/>
+            <a:off x="144573" y="1431897"/>
+            <a:ext cx="3300376" cy="3054854"/>
           </a:xfrm>
           <a:prstGeom prst="rect">
             <a:avLst/>
@@ -9659,6 +10631,94 @@
   <p:clrMapOvr>
     <a:masterClrMapping/>
   </p:clrMapOvr>
+  <p:timing>
+    <p:tnLst>
+      <p:par>
+        <p:cTn id="1" dur="indefinite" restart="never" nodeType="tmRoot">
+          <p:childTnLst>
+            <p:seq concurrent="1" nextAc="seek">
+              <p:cTn id="2" dur="indefinite" nodeType="mainSeq">
+                <p:childTnLst>
+                  <p:par>
+                    <p:cTn id="3" fill="hold">
+                      <p:stCondLst>
+                        <p:cond delay="indefinite"/>
+                      </p:stCondLst>
+                      <p:childTnLst>
+                        <p:par>
+                          <p:cTn id="4" fill="hold">
+                            <p:stCondLst>
+                              <p:cond delay="0"/>
+                            </p:stCondLst>
+                            <p:childTnLst>
+                              <p:par>
+                                <p:cTn id="5" presetID="6" presetClass="emph" presetSubtype="0" fill="hold" nodeType="clickEffect">
+                                  <p:stCondLst>
+                                    <p:cond delay="0"/>
+                                  </p:stCondLst>
+                                  <p:childTnLst>
+                                    <p:animScale>
+                                      <p:cBhvr>
+                                        <p:cTn id="6" dur="1000" fill="hold"/>
+                                        <p:tgtEl>
+                                          <p:spTgt spid="7"/>
+                                        </p:tgtEl>
+                                      </p:cBhvr>
+                                      <p:by x="190000" y="190000"/>
+                                    </p:animScale>
+                                  </p:childTnLst>
+                                </p:cTn>
+                              </p:par>
+                              <p:par>
+                                <p:cTn id="7" presetID="42" presetClass="path" presetSubtype="0" accel="50000" decel="50000" fill="hold" nodeType="withEffect">
+                                  <p:stCondLst>
+                                    <p:cond delay="0"/>
+                                  </p:stCondLst>
+                                  <p:childTnLst>
+                                    <p:animMotion origin="layout" path="M 0.0099 0.00154 L 0.30208 -0.07068 " pathEditMode="relative" rAng="0" ptsTypes="AA">
+                                      <p:cBhvr>
+                                        <p:cTn id="8" dur="1000" fill="hold"/>
+                                        <p:tgtEl>
+                                          <p:spTgt spid="7"/>
+                                        </p:tgtEl>
+                                        <p:attrNameLst>
+                                          <p:attrName>ppt_x</p:attrName>
+                                          <p:attrName>ppt_y</p:attrName>
+                                        </p:attrNameLst>
+                                      </p:cBhvr>
+                                      <p:rCtr x="14601" y="-3611"/>
+                                    </p:animMotion>
+                                  </p:childTnLst>
+                                </p:cTn>
+                              </p:par>
+                            </p:childTnLst>
+                          </p:cTn>
+                        </p:par>
+                      </p:childTnLst>
+                    </p:cTn>
+                  </p:par>
+                </p:childTnLst>
+              </p:cTn>
+              <p:prevCondLst>
+                <p:cond evt="onPrev" delay="0">
+                  <p:tgtEl>
+                    <p:sldTgt/>
+                  </p:tgtEl>
+                </p:cond>
+              </p:prevCondLst>
+              <p:nextCondLst>
+                <p:cond evt="onNext" delay="0">
+                  <p:tgtEl>
+                    <p:sldTgt/>
+                  </p:tgtEl>
+                </p:cond>
+              </p:nextCondLst>
+            </p:seq>
+          </p:childTnLst>
+        </p:cTn>
+      </p:par>
+    </p:tnLst>
+  </p:timing>
 </p:sld>
 </file>
 
